--- a/4.Presentación/DIAPOSITIVAS_PROYECTO - GAES 7.pptx
+++ b/4.Presentación/DIAPOSITIVAS_PROYECTO - GAES 7.pptx
@@ -1,6 +1,6 @@
 
 <file path=ppt/presentation.xml><?xml version="1.0" encoding="utf-8"?>
-<p:presentation xmlns:a="http://schemas.openxmlformats.org/drawingml/2006/main" xmlns:r="http://schemas.openxmlformats.org/officeDocument/2006/relationships" xmlns:mc="http://schemas.openxmlformats.org/markup-compatibility/2006" xmlns:mv="urn:schemas-microsoft-com:mac:vml" xmlns:p="http://schemas.openxmlformats.org/presentationml/2006/main" xmlns:c="http://schemas.openxmlformats.org/drawingml/2006/chart" xmlns:dgm="http://schemas.openxmlformats.org/drawingml/2006/diagram" xmlns:o="urn:schemas-microsoft-com:office:office" xmlns:v="urn:schemas-microsoft-com:vml" xmlns:pvml="urn:schemas-microsoft-com:office:powerpoint" xmlns:com="http://schemas.openxmlformats.org/drawingml/2006/compatibility" xmlns:p14="http://schemas.microsoft.com/office/powerpoint/2010/main" xmlns:p15="http://schemas.microsoft.com/office/powerpoint/2012/main" xmlns:ahyp="http://schemas.microsoft.com/office/drawing/2018/hyperlinkcolor" autoCompressPictures="0" embedTrueTypeFonts="1" strictFirstAndLastChars="0" saveSubsetFonts="1">
+<p:presentation xmlns:a="http://schemas.openxmlformats.org/drawingml/2006/main" xmlns:r="http://schemas.openxmlformats.org/officeDocument/2006/relationships" xmlns:mc="http://schemas.openxmlformats.org/markup-compatibility/2006" xmlns:mv="urn:schemas-microsoft-com:mac:vml" xmlns:p="http://schemas.openxmlformats.org/presentationml/2006/main" xmlns:c="http://schemas.openxmlformats.org/drawingml/2006/chart" xmlns:dgm="http://schemas.openxmlformats.org/drawingml/2006/diagram" xmlns:o="urn:schemas-microsoft-com:office:office" xmlns:v="urn:schemas-microsoft-com:vml" xmlns:pvml="urn:schemas-microsoft-com:office:powerpoint" xmlns:com="http://schemas.openxmlformats.org/drawingml/2006/compatibility" xmlns:p14="http://schemas.microsoft.com/office/powerpoint/2010/main" xmlns:p15="http://schemas.microsoft.com/office/powerpoint/2012/main" xmlns:ahyp="http://schemas.microsoft.com/office/drawing/2018/hyperlinkcolor" autoCompressPictures="0" strictFirstAndLastChars="0" saveSubsetFonts="1">
   <p:sldMasterIdLst>
     <p:sldMasterId id="2147483662" r:id="rId3"/>
   </p:sldMasterIdLst>
@@ -32,22 +32,6 @@
   </p:sldIdLst>
   <p:sldSz cy="6858000" cx="12192000"/>
   <p:notesSz cx="6858000" cy="9144000"/>
-  <p:embeddedFontLst>
-    <p:embeddedFont>
-      <p:font typeface="Work Sans"/>
-      <p:regular r:id="rId26"/>
-      <p:bold r:id="rId27"/>
-      <p:italic r:id="rId28"/>
-      <p:boldItalic r:id="rId29"/>
-    </p:embeddedFont>
-    <p:embeddedFont>
-      <p:font typeface="Work Sans Light"/>
-      <p:regular r:id="rId30"/>
-      <p:bold r:id="rId31"/>
-      <p:italic r:id="rId32"/>
-      <p:boldItalic r:id="rId33"/>
-    </p:embeddedFont>
-  </p:embeddedFontLst>
   <p:defaultTextStyle>
     <a:defPPr lvl="0" marR="0" rtl="0" algn="l">
       <a:lnSpc>
@@ -21205,7 +21189,7 @@
         <p:spPr>
           <a:xfrm>
             <a:off x="709450" y="1936350"/>
-            <a:ext cx="10819200" cy="2339700"/>
+            <a:ext cx="10819200" cy="3879000"/>
           </a:xfrm>
           <a:prstGeom prst="rect">
             <a:avLst/>
@@ -21236,7 +21220,7 @@
                   <a:schemeClr val="dk1"/>
                 </a:solidFill>
               </a:rPr>
-              <a:t>Diseñar e implementar un sistema digital de gestión de inventario</a:t>
+              <a:t>Diseñar e implementar un sistema de información para la gestión de inventario</a:t>
             </a:r>
             <a:r>
               <a:rPr lang="es-CO" sz="2000">
@@ -21244,7 +21228,23 @@
                   <a:schemeClr val="dk1"/>
                 </a:solidFill>
               </a:rPr>
-              <a:t> que permita registrar, controlar y monitorear en tiempo real las entradas y salidas de productos e insumos, con alertas de abastecimiento.</a:t>
+              <a:t> que permita registrar, controlar y monitorear en tiempo real las entradas y salidas de productos e insumos (materia </a:t>
+            </a:r>
+            <a:r>
+              <a:rPr lang="es-CO" sz="2000">
+                <a:solidFill>
+                  <a:schemeClr val="dk1"/>
+                </a:solidFill>
+              </a:rPr>
+              <a:t>prima)</a:t>
+            </a:r>
+            <a:r>
+              <a:rPr lang="es-CO" sz="2000">
+                <a:solidFill>
+                  <a:schemeClr val="dk1"/>
+                </a:solidFill>
+              </a:rPr>
+              <a:t>, con alertas de abastecimiento.</a:t>
             </a:r>
             <a:endParaRPr sz="2000">
               <a:solidFill>
@@ -21314,30 +21314,157 @@
               <a:buNone/>
             </a:pPr>
             <a:r>
-              <a:rPr lang="es-CO" sz="2000">
+              <a:t/>
+            </a:r>
+            <a:endParaRPr sz="2000">
+              <a:solidFill>
+                <a:schemeClr val="dk1"/>
+              </a:solidFill>
+            </a:endParaRPr>
+          </a:p>
+          <a:p>
+            <a:pPr indent="-355600" lvl="0" marL="457200" rtl="0" algn="l">
+              <a:spcBef>
+                <a:spcPts val="0"/>
+              </a:spcBef>
+              <a:spcAft>
+                <a:spcPts val="0"/>
+              </a:spcAft>
+              <a:buClr>
+                <a:schemeClr val="dk1"/>
+              </a:buClr>
+              <a:buSzPts val="2000"/>
+              <a:buAutoNum type="arabicPeriod"/>
+            </a:pPr>
+            <a:r>
+              <a:rPr b="1" lang="es-CO" sz="2000">
                 <a:solidFill>
                   <a:schemeClr val="dk1"/>
                 </a:solidFill>
               </a:rPr>
-              <a:t>Especificar </a:t>
+              <a:t>Modulo Factura Compra.</a:t>
+            </a:r>
+            <a:endParaRPr b="1" sz="2000">
+              <a:solidFill>
+                <a:schemeClr val="dk1"/>
+              </a:solidFill>
+            </a:endParaRPr>
+          </a:p>
+          <a:p>
+            <a:pPr indent="-355600" lvl="0" marL="457200" rtl="0" algn="l">
+              <a:spcBef>
+                <a:spcPts val="0"/>
+              </a:spcBef>
+              <a:spcAft>
+                <a:spcPts val="0"/>
+              </a:spcAft>
+              <a:buClr>
+                <a:schemeClr val="dk1"/>
+              </a:buClr>
+              <a:buSzPts val="2000"/>
+              <a:buAutoNum type="arabicPeriod"/>
+            </a:pPr>
+            <a:r>
+              <a:rPr b="1" lang="es-CO" sz="2000">
+                <a:solidFill>
+                  <a:schemeClr val="dk1"/>
+                </a:solidFill>
+              </a:rPr>
+              <a:t>M</a:t>
             </a:r>
             <a:r>
-              <a:rPr lang="es-CO" sz="2000">
+              <a:rPr b="1" lang="es-CO" sz="2000">
                 <a:solidFill>
                   <a:schemeClr val="dk1"/>
                 </a:solidFill>
               </a:rPr>
-              <a:t>módulos</a:t>
+              <a:t>ódulo Factura Venta.</a:t>
             </a:r>
+            <a:endParaRPr b="1" sz="2000">
+              <a:solidFill>
+                <a:schemeClr val="dk1"/>
+              </a:solidFill>
+            </a:endParaRPr>
+          </a:p>
+          <a:p>
+            <a:pPr indent="-355600" lvl="0" marL="457200" rtl="0" algn="l">
+              <a:spcBef>
+                <a:spcPts val="0"/>
+              </a:spcBef>
+              <a:spcAft>
+                <a:spcPts val="0"/>
+              </a:spcAft>
+              <a:buClr>
+                <a:schemeClr val="dk1"/>
+              </a:buClr>
+              <a:buSzPts val="2000"/>
+              <a:buAutoNum type="arabicPeriod"/>
+            </a:pPr>
             <a:r>
-              <a:rPr lang="es-CO" sz="2000">
+              <a:rPr b="1" lang="es-CO" sz="2000">
                 <a:solidFill>
                   <a:schemeClr val="dk1"/>
                 </a:solidFill>
               </a:rPr>
-              <a:t> o gestiones (DCU)</a:t>
+              <a:t>Módulo Producto.</a:t>
             </a:r>
-            <a:endParaRPr sz="2000">
+            <a:endParaRPr b="1" sz="2000">
+              <a:solidFill>
+                <a:schemeClr val="dk1"/>
+              </a:solidFill>
+            </a:endParaRPr>
+          </a:p>
+          <a:p>
+            <a:pPr indent="-355600" lvl="0" marL="457200" rtl="0" algn="l">
+              <a:spcBef>
+                <a:spcPts val="0"/>
+              </a:spcBef>
+              <a:spcAft>
+                <a:spcPts val="0"/>
+              </a:spcAft>
+              <a:buClr>
+                <a:schemeClr val="dk1"/>
+              </a:buClr>
+              <a:buSzPts val="2000"/>
+              <a:buAutoNum type="arabicPeriod"/>
+            </a:pPr>
+            <a:r>
+              <a:rPr b="1" lang="es-CO" sz="2000">
+                <a:solidFill>
+                  <a:schemeClr val="dk1"/>
+                </a:solidFill>
+              </a:rPr>
+              <a:t>Módulo Materia Prima.</a:t>
+            </a:r>
+            <a:endParaRPr b="1" sz="2000">
+              <a:solidFill>
+                <a:schemeClr val="dk1"/>
+              </a:solidFill>
+            </a:endParaRPr>
+          </a:p>
+          <a:p>
+            <a:pPr indent="-355600" lvl="0" marL="457200" rtl="0" algn="l">
+              <a:spcBef>
+                <a:spcPts val="0"/>
+              </a:spcBef>
+              <a:spcAft>
+                <a:spcPts val="0"/>
+              </a:spcAft>
+              <a:buClr>
+                <a:schemeClr val="dk1"/>
+              </a:buClr>
+              <a:buSzPts val="2000"/>
+              <a:buAutoNum type="arabicPeriod"/>
+            </a:pPr>
+            <a:r>
+              <a:rPr b="1" lang="es-CO" sz="2000">
+                <a:solidFill>
+                  <a:schemeClr val="dk1"/>
+                </a:solidFill>
+              </a:rPr>
+              <a:t>Módulo Producción Materia Prima.</a:t>
+            </a:r>
+            <a:endParaRPr b="1" sz="2000">
               <a:solidFill>
                 <a:schemeClr val="dk1"/>
               </a:solidFill>

--- a/4.Presentación/DIAPOSITIVAS_PROYECTO - GAES 7.pptx
+++ b/4.Presentación/DIAPOSITIVAS_PROYECTO - GAES 7.pptx
@@ -1,8 +1,8 @@
 
 <file path=ppt/presentation.xml><?xml version="1.0" encoding="utf-8"?>
-<p:presentation xmlns:a="http://schemas.openxmlformats.org/drawingml/2006/main" xmlns:r="http://schemas.openxmlformats.org/officeDocument/2006/relationships" xmlns:mc="http://schemas.openxmlformats.org/markup-compatibility/2006" xmlns:mv="urn:schemas-microsoft-com:mac:vml" xmlns:p="http://schemas.openxmlformats.org/presentationml/2006/main" xmlns:c="http://schemas.openxmlformats.org/drawingml/2006/chart" xmlns:dgm="http://schemas.openxmlformats.org/drawingml/2006/diagram" xmlns:o="urn:schemas-microsoft-com:office:office" xmlns:v="urn:schemas-microsoft-com:vml" xmlns:pvml="urn:schemas-microsoft-com:office:powerpoint" xmlns:com="http://schemas.openxmlformats.org/drawingml/2006/compatibility" xmlns:p14="http://schemas.microsoft.com/office/powerpoint/2010/main" xmlns:p15="http://schemas.microsoft.com/office/powerpoint/2012/main" xmlns:ahyp="http://schemas.microsoft.com/office/drawing/2018/hyperlinkcolor" autoCompressPictures="0" strictFirstAndLastChars="0" saveSubsetFonts="1">
+<p:presentation xmlns:a="http://schemas.openxmlformats.org/drawingml/2006/main" xmlns:r="http://schemas.openxmlformats.org/officeDocument/2006/relationships" xmlns:mc="http://schemas.openxmlformats.org/markup-compatibility/2006" xmlns:mv="urn:schemas-microsoft-com:mac:vml" xmlns:p="http://schemas.openxmlformats.org/presentationml/2006/main" xmlns:c="http://schemas.openxmlformats.org/drawingml/2006/chart" xmlns:dgm="http://schemas.openxmlformats.org/drawingml/2006/diagram" xmlns:o="urn:schemas-microsoft-com:office:office" xmlns:v="urn:schemas-microsoft-com:vml" xmlns:pvml="urn:schemas-microsoft-com:office:powerpoint" xmlns:com="http://schemas.openxmlformats.org/drawingml/2006/compatibility" xmlns:p14="http://schemas.microsoft.com/office/powerpoint/2010/main" xmlns:p15="http://schemas.microsoft.com/office/powerpoint/2012/main" xmlns:ahyp="http://schemas.microsoft.com/office/drawing/2018/hyperlinkcolor" autoCompressPictures="0" embedTrueTypeFonts="1" strictFirstAndLastChars="0" saveSubsetFonts="1">
   <p:sldMasterIdLst>
-    <p:sldMasterId id="2147483662" r:id="rId3"/>
+    <p:sldMasterId id="2147483648" r:id="rId3"/>
   </p:sldMasterIdLst>
   <p:notesMasterIdLst>
     <p:notesMasterId r:id="rId4"/>
@@ -32,6 +32,22 @@
   </p:sldIdLst>
   <p:sldSz cy="6858000" cx="12192000"/>
   <p:notesSz cx="6858000" cy="9144000"/>
+  <p:embeddedFontLst>
+    <p:embeddedFont>
+      <p:font typeface="Work Sans"/>
+      <p:regular r:id="rId26"/>
+      <p:bold r:id="rId27"/>
+      <p:italic r:id="rId28"/>
+      <p:boldItalic r:id="rId29"/>
+    </p:embeddedFont>
+    <p:embeddedFont>
+      <p:font typeface="Work Sans Light"/>
+      <p:regular r:id="rId30"/>
+      <p:bold r:id="rId31"/>
+      <p:italic r:id="rId32"/>
+      <p:boldItalic r:id="rId33"/>
+    </p:embeddedFont>
+  </p:embeddedFontLst>
   <p:defaultTextStyle>
     <a:defPPr lvl="0" marR="0" rtl="0" algn="l">
       <a:lnSpc>
@@ -261,6 +277,11 @@
       </a:defRPr>
     </a:lvl9pPr>
   </p:defaultTextStyle>
+  <p:extLst>
+    <p:ext uri="GoogleSlidesCustomDataVersion2">
+      <go:slidesCustomData xmlns:go="http://customooxmlschemas.google.com/" r:id="rId34" roundtripDataSignature="AMtx7mic1jWfUd5Z2bIA8Dtx2J5fQ3om0g=="/>
+    </p:ext>
+  </p:extLst>
 </p:presentation>
 </file>
 
@@ -1876,7 +1897,7 @@
       </p:grpSpPr>
       <p:sp>
         <p:nvSpPr>
-          <p:cNvPr id="154" name="Google Shape;154;p9:notes"/>
+          <p:cNvPr id="154" name="Google Shape;154;p10:notes"/>
           <p:cNvSpPr txBox="1"/>
           <p:nvPr>
             <p:ph idx="1" type="body"/>
@@ -1923,7 +1944,7 @@
       </p:sp>
       <p:sp>
         <p:nvSpPr>
-          <p:cNvPr id="155" name="Google Shape;155;p9:notes"/>
+          <p:cNvPr id="155" name="Google Shape;155;p10:notes"/>
           <p:cNvSpPr/>
           <p:nvPr>
             <p:ph idx="2" type="sldImg"/>
@@ -1993,7 +2014,7 @@
       </p:grpSpPr>
       <p:sp>
         <p:nvSpPr>
-          <p:cNvPr id="160" name="Google Shape;160;p10:notes"/>
+          <p:cNvPr id="160" name="Google Shape;160;p11:notes"/>
           <p:cNvSpPr txBox="1"/>
           <p:nvPr>
             <p:ph idx="1" type="body"/>
@@ -2040,7 +2061,7 @@
       </p:sp>
       <p:sp>
         <p:nvSpPr>
-          <p:cNvPr id="161" name="Google Shape;161;p10:notes"/>
+          <p:cNvPr id="161" name="Google Shape;161;p11:notes"/>
           <p:cNvSpPr/>
           <p:nvPr>
             <p:ph idx="2" type="sldImg"/>
@@ -2110,7 +2131,7 @@
       </p:grpSpPr>
       <p:sp>
         <p:nvSpPr>
-          <p:cNvPr id="166" name="Google Shape;166;p11:notes"/>
+          <p:cNvPr id="166" name="Google Shape;166;p12:notes"/>
           <p:cNvSpPr txBox="1"/>
           <p:nvPr>
             <p:ph idx="1" type="body"/>
@@ -2157,7 +2178,7 @@
       </p:sp>
       <p:sp>
         <p:nvSpPr>
-          <p:cNvPr id="167" name="Google Shape;167;p11:notes"/>
+          <p:cNvPr id="167" name="Google Shape;167;p12:notes"/>
           <p:cNvSpPr/>
           <p:nvPr>
             <p:ph idx="2" type="sldImg"/>
@@ -2227,7 +2248,7 @@
       </p:grpSpPr>
       <p:sp>
         <p:nvSpPr>
-          <p:cNvPr id="172" name="Google Shape;172;p12:notes"/>
+          <p:cNvPr id="172" name="Google Shape;172;p13:notes"/>
           <p:cNvSpPr/>
           <p:nvPr>
             <p:ph idx="2" type="sldImg"/>
@@ -2272,7 +2293,7 @@
       </p:sp>
       <p:sp>
         <p:nvSpPr>
-          <p:cNvPr id="173" name="Google Shape;173;p12:notes"/>
+          <p:cNvPr id="173" name="Google Shape;173;p13:notes"/>
           <p:cNvSpPr txBox="1"/>
           <p:nvPr>
             <p:ph idx="1" type="body"/>
@@ -2319,7 +2340,7 @@
       </p:sp>
       <p:sp>
         <p:nvSpPr>
-          <p:cNvPr id="174" name="Google Shape;174;p12:notes"/>
+          <p:cNvPr id="174" name="Google Shape;174;p13:notes"/>
           <p:cNvSpPr txBox="1"/>
           <p:nvPr>
             <p:ph idx="12" type="sldNum"/>
@@ -2392,7 +2413,7 @@
       </p:grpSpPr>
       <p:sp>
         <p:nvSpPr>
-          <p:cNvPr id="180" name="Google Shape;180;p13:notes"/>
+          <p:cNvPr id="180" name="Google Shape;180;p14:notes"/>
           <p:cNvSpPr txBox="1"/>
           <p:nvPr>
             <p:ph idx="1" type="body"/>
@@ -2439,7 +2460,7 @@
       </p:sp>
       <p:sp>
         <p:nvSpPr>
-          <p:cNvPr id="181" name="Google Shape;181;p13:notes"/>
+          <p:cNvPr id="181" name="Google Shape;181;p14:notes"/>
           <p:cNvSpPr/>
           <p:nvPr>
             <p:ph idx="2" type="sldImg"/>
@@ -2509,7 +2530,7 @@
       </p:grpSpPr>
       <p:sp>
         <p:nvSpPr>
-          <p:cNvPr id="186" name="Google Shape;186;p14:notes"/>
+          <p:cNvPr id="186" name="Google Shape;186;p15:notes"/>
           <p:cNvSpPr txBox="1"/>
           <p:nvPr>
             <p:ph idx="1" type="body"/>
@@ -2556,7 +2577,7 @@
       </p:sp>
       <p:sp>
         <p:nvSpPr>
-          <p:cNvPr id="187" name="Google Shape;187;p14:notes"/>
+          <p:cNvPr id="187" name="Google Shape;187;p15:notes"/>
           <p:cNvSpPr/>
           <p:nvPr>
             <p:ph idx="2" type="sldImg"/>
@@ -2626,7 +2647,7 @@
       </p:grpSpPr>
       <p:sp>
         <p:nvSpPr>
-          <p:cNvPr id="192" name="Google Shape;192;p15:notes"/>
+          <p:cNvPr id="192" name="Google Shape;192;p16:notes"/>
           <p:cNvSpPr txBox="1"/>
           <p:nvPr>
             <p:ph idx="1" type="body"/>
@@ -2673,7 +2694,7 @@
       </p:sp>
       <p:sp>
         <p:nvSpPr>
-          <p:cNvPr id="193" name="Google Shape;193;p15:notes"/>
+          <p:cNvPr id="193" name="Google Shape;193;p16:notes"/>
           <p:cNvSpPr/>
           <p:nvPr>
             <p:ph idx="2" type="sldImg"/>
@@ -2743,7 +2764,7 @@
       </p:grpSpPr>
       <p:sp>
         <p:nvSpPr>
-          <p:cNvPr id="199" name="Google Shape;199;p16:notes"/>
+          <p:cNvPr id="199" name="Google Shape;199;p17:notes"/>
           <p:cNvSpPr txBox="1"/>
           <p:nvPr>
             <p:ph idx="1" type="body"/>
@@ -2790,7 +2811,7 @@
       </p:sp>
       <p:sp>
         <p:nvSpPr>
-          <p:cNvPr id="200" name="Google Shape;200;p16:notes"/>
+          <p:cNvPr id="200" name="Google Shape;200;p17:notes"/>
           <p:cNvSpPr/>
           <p:nvPr>
             <p:ph idx="2" type="sldImg"/>
@@ -2860,7 +2881,7 @@
       </p:grpSpPr>
       <p:sp>
         <p:nvSpPr>
-          <p:cNvPr id="205" name="Google Shape;205;p17:notes"/>
+          <p:cNvPr id="205" name="Google Shape;205;p18:notes"/>
           <p:cNvSpPr txBox="1"/>
           <p:nvPr>
             <p:ph idx="1" type="body"/>
@@ -2907,7 +2928,7 @@
       </p:sp>
       <p:sp>
         <p:nvSpPr>
-          <p:cNvPr id="206" name="Google Shape;206;p17:notes"/>
+          <p:cNvPr id="206" name="Google Shape;206;p18:notes"/>
           <p:cNvSpPr/>
           <p:nvPr>
             <p:ph idx="2" type="sldImg"/>
@@ -2977,7 +2998,7 @@
       </p:grpSpPr>
       <p:sp>
         <p:nvSpPr>
-          <p:cNvPr id="210" name="Google Shape;210;p18:notes"/>
+          <p:cNvPr id="210" name="Google Shape;210;p19:notes"/>
           <p:cNvSpPr/>
           <p:nvPr>
             <p:ph idx="2" type="sldImg"/>
@@ -3022,7 +3043,7 @@
       </p:sp>
       <p:sp>
         <p:nvSpPr>
-          <p:cNvPr id="211" name="Google Shape;211;p18:notes"/>
+          <p:cNvPr id="211" name="Google Shape;211;p19:notes"/>
           <p:cNvSpPr txBox="1"/>
           <p:nvPr>
             <p:ph idx="1" type="body"/>
@@ -3069,7 +3090,7 @@
       </p:sp>
       <p:sp>
         <p:nvSpPr>
-          <p:cNvPr id="212" name="Google Shape;212;p18:notes"/>
+          <p:cNvPr id="212" name="Google Shape;212;p19:notes"/>
           <p:cNvSpPr txBox="1"/>
           <p:nvPr>
             <p:ph idx="12" type="sldNum"/>
@@ -3307,7 +3328,7 @@
       </p:grpSpPr>
       <p:sp>
         <p:nvSpPr>
-          <p:cNvPr id="218" name="Google Shape;218;p19:notes"/>
+          <p:cNvPr id="218" name="Google Shape;218;p20:notes"/>
           <p:cNvSpPr txBox="1"/>
           <p:nvPr>
             <p:ph idx="1" type="body"/>
@@ -3354,7 +3375,7 @@
       </p:sp>
       <p:sp>
         <p:nvSpPr>
-          <p:cNvPr id="219" name="Google Shape;219;p19:notes"/>
+          <p:cNvPr id="219" name="Google Shape;219;p20:notes"/>
           <p:cNvSpPr/>
           <p:nvPr>
             <p:ph idx="2" type="sldImg"/>
@@ -3424,7 +3445,7 @@
       </p:grpSpPr>
       <p:sp>
         <p:nvSpPr>
-          <p:cNvPr id="225" name="Google Shape;225;p20:notes"/>
+          <p:cNvPr id="225" name="Google Shape;225;p21:notes"/>
           <p:cNvSpPr txBox="1"/>
           <p:nvPr>
             <p:ph idx="1" type="body"/>
@@ -3471,7 +3492,7 @@
       </p:sp>
       <p:sp>
         <p:nvSpPr>
-          <p:cNvPr id="226" name="Google Shape;226;p20:notes"/>
+          <p:cNvPr id="226" name="Google Shape;226;p21:notes"/>
           <p:cNvSpPr/>
           <p:nvPr>
             <p:ph idx="2" type="sldImg"/>
@@ -4291,7 +4312,7 @@
       </p:grpSpPr>
       <p:sp>
         <p:nvSpPr>
-          <p:cNvPr id="148" name="Google Shape;148;g3625f39a22a_0_6:notes"/>
+          <p:cNvPr id="148" name="Google Shape;148;p9:notes"/>
           <p:cNvSpPr txBox="1"/>
           <p:nvPr>
             <p:ph idx="1" type="body"/>
@@ -4338,7 +4359,7 @@
       </p:sp>
       <p:sp>
         <p:nvSpPr>
-          <p:cNvPr id="149" name="Google Shape;149;g3625f39a22a_0_6:notes"/>
+          <p:cNvPr id="149" name="Google Shape;149;p9:notes"/>
           <p:cNvSpPr/>
           <p:nvPr>
             <p:ph idx="2" type="sldImg"/>
@@ -4408,7 +4429,7 @@
       </p:grpSpPr>
       <p:pic>
         <p:nvPicPr>
-          <p:cNvPr descr="Interfaz de usuario gráfica, Texto, Aplicación&#10;&#10;Descripción generada automáticamente" id="16" name="Google Shape;16;p2"/>
+          <p:cNvPr descr="Interfaz de usuario gráfica, Texto, Aplicación&#10;&#10;Descripción generada automáticamente" id="16" name="Google Shape;16;p23"/>
           <p:cNvPicPr preferRelativeResize="0"/>
           <p:nvPr/>
         </p:nvPicPr>
@@ -4460,7 +4481,7 @@
       </p:grpSpPr>
       <p:sp>
         <p:nvSpPr>
-          <p:cNvPr id="64" name="Google Shape;64;p11"/>
+          <p:cNvPr id="64" name="Google Shape;64;p32"/>
           <p:cNvSpPr txBox="1"/>
           <p:nvPr>
             <p:ph type="title"/>
@@ -4619,7 +4640,7 @@
       </p:sp>
       <p:sp>
         <p:nvSpPr>
-          <p:cNvPr id="65" name="Google Shape;65;p11"/>
+          <p:cNvPr id="65" name="Google Shape;65;p32"/>
           <p:cNvSpPr txBox="1"/>
           <p:nvPr>
             <p:ph idx="10" type="dt"/>
@@ -4775,7 +4796,7 @@
       </p:sp>
       <p:sp>
         <p:nvSpPr>
-          <p:cNvPr id="66" name="Google Shape;66;p11"/>
+          <p:cNvPr id="66" name="Google Shape;66;p32"/>
           <p:cNvSpPr txBox="1"/>
           <p:nvPr>
             <p:ph idx="11" type="ftr"/>
@@ -4931,7 +4952,7 @@
       </p:sp>
       <p:sp>
         <p:nvSpPr>
-          <p:cNvPr id="67" name="Google Shape;67;p11"/>
+          <p:cNvPr id="67" name="Google Shape;67;p32"/>
           <p:cNvSpPr txBox="1"/>
           <p:nvPr>
             <p:ph idx="12" type="sldNum"/>
@@ -5235,7 +5256,7 @@
       </p:grpSpPr>
       <p:sp>
         <p:nvSpPr>
-          <p:cNvPr id="69" name="Google Shape;69;p12"/>
+          <p:cNvPr id="69" name="Google Shape;69;p33"/>
           <p:cNvSpPr txBox="1"/>
           <p:nvPr>
             <p:ph type="title"/>
@@ -5395,7 +5416,7 @@
       </p:sp>
       <p:sp>
         <p:nvSpPr>
-          <p:cNvPr id="70" name="Google Shape;70;p12"/>
+          <p:cNvPr id="70" name="Google Shape;70;p33"/>
           <p:cNvSpPr txBox="1"/>
           <p:nvPr>
             <p:ph idx="1" type="body"/>
@@ -5578,7 +5599,7 @@
       </p:sp>
       <p:sp>
         <p:nvSpPr>
-          <p:cNvPr id="71" name="Google Shape;71;p12"/>
+          <p:cNvPr id="71" name="Google Shape;71;p33"/>
           <p:cNvSpPr txBox="1"/>
           <p:nvPr>
             <p:ph idx="2" type="body"/>
@@ -5761,7 +5782,7 @@
       </p:sp>
       <p:sp>
         <p:nvSpPr>
-          <p:cNvPr id="72" name="Google Shape;72;p12"/>
+          <p:cNvPr id="72" name="Google Shape;72;p33"/>
           <p:cNvSpPr txBox="1"/>
           <p:nvPr>
             <p:ph idx="10" type="dt"/>
@@ -5917,7 +5938,7 @@
       </p:sp>
       <p:sp>
         <p:nvSpPr>
-          <p:cNvPr id="73" name="Google Shape;73;p12"/>
+          <p:cNvPr id="73" name="Google Shape;73;p33"/>
           <p:cNvSpPr txBox="1"/>
           <p:nvPr>
             <p:ph idx="11" type="ftr"/>
@@ -6073,7 +6094,7 @@
       </p:sp>
       <p:sp>
         <p:nvSpPr>
-          <p:cNvPr id="74" name="Google Shape;74;p12"/>
+          <p:cNvPr id="74" name="Google Shape;74;p33"/>
           <p:cNvSpPr txBox="1"/>
           <p:nvPr>
             <p:ph idx="12" type="sldNum"/>
@@ -6377,7 +6398,7 @@
       </p:grpSpPr>
       <p:sp>
         <p:nvSpPr>
-          <p:cNvPr id="76" name="Google Shape;76;p13"/>
+          <p:cNvPr id="76" name="Google Shape;76;p34"/>
           <p:cNvSpPr txBox="1"/>
           <p:nvPr>
             <p:ph type="title"/>
@@ -6537,7 +6558,7 @@
       </p:sp>
       <p:sp>
         <p:nvSpPr>
-          <p:cNvPr id="77" name="Google Shape;77;p13"/>
+          <p:cNvPr id="77" name="Google Shape;77;p34"/>
           <p:cNvSpPr/>
           <p:nvPr>
             <p:ph idx="2" type="pic"/>
@@ -6559,7 +6580,7 @@
       </p:sp>
       <p:sp>
         <p:nvSpPr>
-          <p:cNvPr id="78" name="Google Shape;78;p13"/>
+          <p:cNvPr id="78" name="Google Shape;78;p34"/>
           <p:cNvSpPr txBox="1"/>
           <p:nvPr>
             <p:ph idx="1" type="body"/>
@@ -6742,7 +6763,7 @@
       </p:sp>
       <p:sp>
         <p:nvSpPr>
-          <p:cNvPr id="79" name="Google Shape;79;p13"/>
+          <p:cNvPr id="79" name="Google Shape;79;p34"/>
           <p:cNvSpPr txBox="1"/>
           <p:nvPr>
             <p:ph idx="10" type="dt"/>
@@ -6898,7 +6919,7 @@
       </p:sp>
       <p:sp>
         <p:nvSpPr>
-          <p:cNvPr id="80" name="Google Shape;80;p13"/>
+          <p:cNvPr id="80" name="Google Shape;80;p34"/>
           <p:cNvSpPr txBox="1"/>
           <p:nvPr>
             <p:ph idx="11" type="ftr"/>
@@ -7054,7 +7075,7 @@
       </p:sp>
       <p:sp>
         <p:nvSpPr>
-          <p:cNvPr id="81" name="Google Shape;81;p13"/>
+          <p:cNvPr id="81" name="Google Shape;81;p34"/>
           <p:cNvSpPr txBox="1"/>
           <p:nvPr>
             <p:ph idx="12" type="sldNum"/>
@@ -7358,7 +7379,7 @@
       </p:grpSpPr>
       <p:sp>
         <p:nvSpPr>
-          <p:cNvPr id="83" name="Google Shape;83;p14"/>
+          <p:cNvPr id="83" name="Google Shape;83;p35"/>
           <p:cNvSpPr txBox="1"/>
           <p:nvPr>
             <p:ph type="title"/>
@@ -7517,7 +7538,7 @@
       </p:sp>
       <p:sp>
         <p:nvSpPr>
-          <p:cNvPr id="84" name="Google Shape;84;p14"/>
+          <p:cNvPr id="84" name="Google Shape;84;p35"/>
           <p:cNvSpPr txBox="1"/>
           <p:nvPr>
             <p:ph idx="1" type="body"/>
@@ -7700,7 +7721,7 @@
       </p:sp>
       <p:sp>
         <p:nvSpPr>
-          <p:cNvPr id="85" name="Google Shape;85;p14"/>
+          <p:cNvPr id="85" name="Google Shape;85;p35"/>
           <p:cNvSpPr txBox="1"/>
           <p:nvPr>
             <p:ph idx="10" type="dt"/>
@@ -7856,7 +7877,7 @@
       </p:sp>
       <p:sp>
         <p:nvSpPr>
-          <p:cNvPr id="86" name="Google Shape;86;p14"/>
+          <p:cNvPr id="86" name="Google Shape;86;p35"/>
           <p:cNvSpPr txBox="1"/>
           <p:nvPr>
             <p:ph idx="11" type="ftr"/>
@@ -8012,7 +8033,7 @@
       </p:sp>
       <p:sp>
         <p:nvSpPr>
-          <p:cNvPr id="87" name="Google Shape;87;p14"/>
+          <p:cNvPr id="87" name="Google Shape;87;p35"/>
           <p:cNvSpPr txBox="1"/>
           <p:nvPr>
             <p:ph idx="12" type="sldNum"/>
@@ -8316,7 +8337,7 @@
       </p:grpSpPr>
       <p:sp>
         <p:nvSpPr>
-          <p:cNvPr id="89" name="Google Shape;89;p15"/>
+          <p:cNvPr id="89" name="Google Shape;89;p36"/>
           <p:cNvSpPr txBox="1"/>
           <p:nvPr>
             <p:ph type="title"/>
@@ -8475,7 +8496,7 @@
       </p:sp>
       <p:sp>
         <p:nvSpPr>
-          <p:cNvPr id="90" name="Google Shape;90;p15"/>
+          <p:cNvPr id="90" name="Google Shape;90;p36"/>
           <p:cNvSpPr txBox="1"/>
           <p:nvPr>
             <p:ph idx="1" type="body"/>
@@ -8658,7 +8679,7 @@
       </p:sp>
       <p:sp>
         <p:nvSpPr>
-          <p:cNvPr id="91" name="Google Shape;91;p15"/>
+          <p:cNvPr id="91" name="Google Shape;91;p36"/>
           <p:cNvSpPr txBox="1"/>
           <p:nvPr>
             <p:ph idx="10" type="dt"/>
@@ -8814,7 +8835,7 @@
       </p:sp>
       <p:sp>
         <p:nvSpPr>
-          <p:cNvPr id="92" name="Google Shape;92;p15"/>
+          <p:cNvPr id="92" name="Google Shape;92;p36"/>
           <p:cNvSpPr txBox="1"/>
           <p:nvPr>
             <p:ph idx="11" type="ftr"/>
@@ -8970,7 +8991,7 @@
       </p:sp>
       <p:sp>
         <p:nvSpPr>
-          <p:cNvPr id="93" name="Google Shape;93;p15"/>
+          <p:cNvPr id="93" name="Google Shape;93;p36"/>
           <p:cNvSpPr txBox="1"/>
           <p:nvPr>
             <p:ph idx="12" type="sldNum"/>
@@ -9274,7 +9295,7 @@
       </p:grpSpPr>
       <p:pic>
         <p:nvPicPr>
-          <p:cNvPr descr="Patrón de fondo&#10;&#10;Descripción generada automáticamente" id="18" name="Google Shape;18;p3"/>
+          <p:cNvPr descr="Patrón de fondo&#10;&#10;Descripción generada automáticamente" id="18" name="Google Shape;18;p24"/>
           <p:cNvPicPr preferRelativeResize="0"/>
           <p:nvPr/>
         </p:nvPicPr>
@@ -9301,7 +9322,7 @@
       </p:pic>
       <p:pic>
         <p:nvPicPr>
-          <p:cNvPr id="19" name="Google Shape;19;p3"/>
+          <p:cNvPr id="19" name="Google Shape;19;p24"/>
           <p:cNvPicPr preferRelativeResize="0"/>
           <p:nvPr/>
         </p:nvPicPr>
@@ -9365,7 +9386,7 @@
       </p:grpSpPr>
       <p:sp>
         <p:nvSpPr>
-          <p:cNvPr id="21" name="Google Shape;21;p4"/>
+          <p:cNvPr id="21" name="Google Shape;21;p25"/>
           <p:cNvSpPr txBox="1"/>
           <p:nvPr>
             <p:ph type="title"/>
@@ -9524,7 +9545,7 @@
       </p:sp>
       <p:sp>
         <p:nvSpPr>
-          <p:cNvPr id="22" name="Google Shape;22;p4"/>
+          <p:cNvPr id="22" name="Google Shape;22;p25"/>
           <p:cNvSpPr txBox="1"/>
           <p:nvPr>
             <p:ph idx="10" type="dt"/>
@@ -9680,7 +9701,7 @@
       </p:sp>
       <p:sp>
         <p:nvSpPr>
-          <p:cNvPr id="23" name="Google Shape;23;p4"/>
+          <p:cNvPr id="23" name="Google Shape;23;p25"/>
           <p:cNvSpPr txBox="1"/>
           <p:nvPr>
             <p:ph idx="11" type="ftr"/>
@@ -9836,7 +9857,7 @@
       </p:sp>
       <p:sp>
         <p:nvSpPr>
-          <p:cNvPr id="24" name="Google Shape;24;p4"/>
+          <p:cNvPr id="24" name="Google Shape;24;p25"/>
           <p:cNvSpPr txBox="1"/>
           <p:nvPr>
             <p:ph idx="12" type="sldNum"/>
@@ -10140,7 +10161,7 @@
       </p:grpSpPr>
       <p:sp>
         <p:nvSpPr>
-          <p:cNvPr id="26" name="Google Shape;26;p5"/>
+          <p:cNvPr id="26" name="Google Shape;26;p26"/>
           <p:cNvSpPr txBox="1"/>
           <p:nvPr>
             <p:ph idx="10" type="dt"/>
@@ -10296,7 +10317,7 @@
       </p:sp>
       <p:sp>
         <p:nvSpPr>
-          <p:cNvPr id="27" name="Google Shape;27;p5"/>
+          <p:cNvPr id="27" name="Google Shape;27;p26"/>
           <p:cNvSpPr txBox="1"/>
           <p:nvPr>
             <p:ph idx="11" type="ftr"/>
@@ -10452,7 +10473,7 @@
       </p:sp>
       <p:sp>
         <p:nvSpPr>
-          <p:cNvPr id="28" name="Google Shape;28;p5"/>
+          <p:cNvPr id="28" name="Google Shape;28;p26"/>
           <p:cNvSpPr txBox="1"/>
           <p:nvPr>
             <p:ph idx="12" type="sldNum"/>
@@ -10756,7 +10777,7 @@
       </p:grpSpPr>
       <p:sp>
         <p:nvSpPr>
-          <p:cNvPr id="30" name="Google Shape;30;p6"/>
+          <p:cNvPr id="30" name="Google Shape;30;p27"/>
           <p:cNvSpPr txBox="1"/>
           <p:nvPr>
             <p:ph type="ctrTitle"/>
@@ -10916,7 +10937,7 @@
       </p:sp>
       <p:sp>
         <p:nvSpPr>
-          <p:cNvPr id="31" name="Google Shape;31;p6"/>
+          <p:cNvPr id="31" name="Google Shape;31;p27"/>
           <p:cNvSpPr txBox="1"/>
           <p:nvPr>
             <p:ph idx="1" type="subTitle"/>
@@ -11099,7 +11120,7 @@
       </p:sp>
       <p:sp>
         <p:nvSpPr>
-          <p:cNvPr id="32" name="Google Shape;32;p6"/>
+          <p:cNvPr id="32" name="Google Shape;32;p27"/>
           <p:cNvSpPr txBox="1"/>
           <p:nvPr>
             <p:ph idx="10" type="dt"/>
@@ -11255,7 +11276,7 @@
       </p:sp>
       <p:sp>
         <p:nvSpPr>
-          <p:cNvPr id="33" name="Google Shape;33;p6"/>
+          <p:cNvPr id="33" name="Google Shape;33;p27"/>
           <p:cNvSpPr txBox="1"/>
           <p:nvPr>
             <p:ph idx="11" type="ftr"/>
@@ -11411,7 +11432,7 @@
       </p:sp>
       <p:sp>
         <p:nvSpPr>
-          <p:cNvPr id="34" name="Google Shape;34;p6"/>
+          <p:cNvPr id="34" name="Google Shape;34;p27"/>
           <p:cNvSpPr txBox="1"/>
           <p:nvPr>
             <p:ph idx="12" type="sldNum"/>
@@ -11715,7 +11736,7 @@
       </p:grpSpPr>
       <p:sp>
         <p:nvSpPr>
-          <p:cNvPr id="36" name="Google Shape;36;p7"/>
+          <p:cNvPr id="36" name="Google Shape;36;p28"/>
           <p:cNvSpPr txBox="1"/>
           <p:nvPr>
             <p:ph type="title"/>
@@ -11874,7 +11895,7 @@
       </p:sp>
       <p:sp>
         <p:nvSpPr>
-          <p:cNvPr id="37" name="Google Shape;37;p7"/>
+          <p:cNvPr id="37" name="Google Shape;37;p28"/>
           <p:cNvSpPr txBox="1"/>
           <p:nvPr>
             <p:ph idx="1" type="body"/>
@@ -12057,7 +12078,7 @@
       </p:sp>
       <p:sp>
         <p:nvSpPr>
-          <p:cNvPr id="38" name="Google Shape;38;p7"/>
+          <p:cNvPr id="38" name="Google Shape;38;p28"/>
           <p:cNvSpPr txBox="1"/>
           <p:nvPr>
             <p:ph idx="10" type="dt"/>
@@ -12213,7 +12234,7 @@
       </p:sp>
       <p:sp>
         <p:nvSpPr>
-          <p:cNvPr id="39" name="Google Shape;39;p7"/>
+          <p:cNvPr id="39" name="Google Shape;39;p28"/>
           <p:cNvSpPr txBox="1"/>
           <p:nvPr>
             <p:ph idx="11" type="ftr"/>
@@ -12369,7 +12390,7 @@
       </p:sp>
       <p:sp>
         <p:nvSpPr>
-          <p:cNvPr id="40" name="Google Shape;40;p7"/>
+          <p:cNvPr id="40" name="Google Shape;40;p28"/>
           <p:cNvSpPr txBox="1"/>
           <p:nvPr>
             <p:ph idx="12" type="sldNum"/>
@@ -12673,7 +12694,7 @@
       </p:grpSpPr>
       <p:sp>
         <p:nvSpPr>
-          <p:cNvPr id="42" name="Google Shape;42;p8"/>
+          <p:cNvPr id="42" name="Google Shape;42;p29"/>
           <p:cNvSpPr txBox="1"/>
           <p:nvPr>
             <p:ph type="title"/>
@@ -12833,7 +12854,7 @@
       </p:sp>
       <p:sp>
         <p:nvSpPr>
-          <p:cNvPr id="43" name="Google Shape;43;p8"/>
+          <p:cNvPr id="43" name="Google Shape;43;p29"/>
           <p:cNvSpPr txBox="1"/>
           <p:nvPr>
             <p:ph idx="1" type="body"/>
@@ -13052,7 +13073,7 @@
       </p:sp>
       <p:sp>
         <p:nvSpPr>
-          <p:cNvPr id="44" name="Google Shape;44;p8"/>
+          <p:cNvPr id="44" name="Google Shape;44;p29"/>
           <p:cNvSpPr txBox="1"/>
           <p:nvPr>
             <p:ph idx="10" type="dt"/>
@@ -13208,7 +13229,7 @@
       </p:sp>
       <p:sp>
         <p:nvSpPr>
-          <p:cNvPr id="45" name="Google Shape;45;p8"/>
+          <p:cNvPr id="45" name="Google Shape;45;p29"/>
           <p:cNvSpPr txBox="1"/>
           <p:nvPr>
             <p:ph idx="11" type="ftr"/>
@@ -13364,7 +13385,7 @@
       </p:sp>
       <p:sp>
         <p:nvSpPr>
-          <p:cNvPr id="46" name="Google Shape;46;p8"/>
+          <p:cNvPr id="46" name="Google Shape;46;p29"/>
           <p:cNvSpPr txBox="1"/>
           <p:nvPr>
             <p:ph idx="12" type="sldNum"/>
@@ -13668,7 +13689,7 @@
       </p:grpSpPr>
       <p:sp>
         <p:nvSpPr>
-          <p:cNvPr id="48" name="Google Shape;48;p9"/>
+          <p:cNvPr id="48" name="Google Shape;48;p30"/>
           <p:cNvSpPr txBox="1"/>
           <p:nvPr>
             <p:ph type="title"/>
@@ -13827,7 +13848,7 @@
       </p:sp>
       <p:sp>
         <p:nvSpPr>
-          <p:cNvPr id="49" name="Google Shape;49;p9"/>
+          <p:cNvPr id="49" name="Google Shape;49;p30"/>
           <p:cNvSpPr txBox="1"/>
           <p:nvPr>
             <p:ph idx="1" type="body"/>
@@ -14010,7 +14031,7 @@
       </p:sp>
       <p:sp>
         <p:nvSpPr>
-          <p:cNvPr id="50" name="Google Shape;50;p9"/>
+          <p:cNvPr id="50" name="Google Shape;50;p30"/>
           <p:cNvSpPr txBox="1"/>
           <p:nvPr>
             <p:ph idx="2" type="body"/>
@@ -14193,7 +14214,7 @@
       </p:sp>
       <p:sp>
         <p:nvSpPr>
-          <p:cNvPr id="51" name="Google Shape;51;p9"/>
+          <p:cNvPr id="51" name="Google Shape;51;p30"/>
           <p:cNvSpPr txBox="1"/>
           <p:nvPr>
             <p:ph idx="10" type="dt"/>
@@ -14349,7 +14370,7 @@
       </p:sp>
       <p:sp>
         <p:nvSpPr>
-          <p:cNvPr id="52" name="Google Shape;52;p9"/>
+          <p:cNvPr id="52" name="Google Shape;52;p30"/>
           <p:cNvSpPr txBox="1"/>
           <p:nvPr>
             <p:ph idx="11" type="ftr"/>
@@ -14505,7 +14526,7 @@
       </p:sp>
       <p:sp>
         <p:nvSpPr>
-          <p:cNvPr id="53" name="Google Shape;53;p9"/>
+          <p:cNvPr id="53" name="Google Shape;53;p30"/>
           <p:cNvSpPr txBox="1"/>
           <p:nvPr>
             <p:ph idx="12" type="sldNum"/>
@@ -14809,7 +14830,7 @@
       </p:grpSpPr>
       <p:sp>
         <p:nvSpPr>
-          <p:cNvPr id="55" name="Google Shape;55;p10"/>
+          <p:cNvPr id="55" name="Google Shape;55;p31"/>
           <p:cNvSpPr txBox="1"/>
           <p:nvPr>
             <p:ph type="title"/>
@@ -14968,7 +14989,7 @@
       </p:sp>
       <p:sp>
         <p:nvSpPr>
-          <p:cNvPr id="56" name="Google Shape;56;p10"/>
+          <p:cNvPr id="56" name="Google Shape;56;p31"/>
           <p:cNvSpPr txBox="1"/>
           <p:nvPr>
             <p:ph idx="1" type="body"/>
@@ -15151,7 +15172,7 @@
       </p:sp>
       <p:sp>
         <p:nvSpPr>
-          <p:cNvPr id="57" name="Google Shape;57;p10"/>
+          <p:cNvPr id="57" name="Google Shape;57;p31"/>
           <p:cNvSpPr txBox="1"/>
           <p:nvPr>
             <p:ph idx="2" type="body"/>
@@ -15334,7 +15355,7 @@
       </p:sp>
       <p:sp>
         <p:nvSpPr>
-          <p:cNvPr id="58" name="Google Shape;58;p10"/>
+          <p:cNvPr id="58" name="Google Shape;58;p31"/>
           <p:cNvSpPr txBox="1"/>
           <p:nvPr>
             <p:ph idx="3" type="body"/>
@@ -15517,7 +15538,7 @@
       </p:sp>
       <p:sp>
         <p:nvSpPr>
-          <p:cNvPr id="59" name="Google Shape;59;p10"/>
+          <p:cNvPr id="59" name="Google Shape;59;p31"/>
           <p:cNvSpPr txBox="1"/>
           <p:nvPr>
             <p:ph idx="4" type="body"/>
@@ -15700,7 +15721,7 @@
       </p:sp>
       <p:sp>
         <p:nvSpPr>
-          <p:cNvPr id="60" name="Google Shape;60;p10"/>
+          <p:cNvPr id="60" name="Google Shape;60;p31"/>
           <p:cNvSpPr txBox="1"/>
           <p:nvPr>
             <p:ph idx="10" type="dt"/>
@@ -15856,7 +15877,7 @@
       </p:sp>
       <p:sp>
         <p:nvSpPr>
-          <p:cNvPr id="61" name="Google Shape;61;p10"/>
+          <p:cNvPr id="61" name="Google Shape;61;p31"/>
           <p:cNvSpPr txBox="1"/>
           <p:nvPr>
             <p:ph idx="11" type="ftr"/>
@@ -16012,7 +16033,7 @@
       </p:sp>
       <p:sp>
         <p:nvSpPr>
-          <p:cNvPr id="62" name="Google Shape;62;p10"/>
+          <p:cNvPr id="62" name="Google Shape;62;p31"/>
           <p:cNvSpPr txBox="1"/>
           <p:nvPr>
             <p:ph idx="12" type="sldNum"/>
@@ -16323,7 +16344,7 @@
       </p:grpSpPr>
       <p:sp>
         <p:nvSpPr>
-          <p:cNvPr id="10" name="Google Shape;10;p1"/>
+          <p:cNvPr id="10" name="Google Shape;10;p22"/>
           <p:cNvSpPr txBox="1"/>
           <p:nvPr>
             <p:ph type="title"/>
@@ -16587,7 +16608,7 @@
       </p:sp>
       <p:sp>
         <p:nvSpPr>
-          <p:cNvPr id="11" name="Google Shape;11;p1"/>
+          <p:cNvPr id="11" name="Google Shape;11;p22"/>
           <p:cNvSpPr txBox="1"/>
           <p:nvPr>
             <p:ph idx="1" type="body"/>
@@ -16851,7 +16872,7 @@
       </p:sp>
       <p:sp>
         <p:nvSpPr>
-          <p:cNvPr id="12" name="Google Shape;12;p1"/>
+          <p:cNvPr id="12" name="Google Shape;12;p22"/>
           <p:cNvSpPr txBox="1"/>
           <p:nvPr>
             <p:ph idx="10" type="dt"/>
@@ -17115,7 +17136,7 @@
       </p:sp>
       <p:sp>
         <p:nvSpPr>
-          <p:cNvPr id="13" name="Google Shape;13;p1"/>
+          <p:cNvPr id="13" name="Google Shape;13;p22"/>
           <p:cNvSpPr txBox="1"/>
           <p:nvPr>
             <p:ph idx="11" type="ftr"/>
@@ -17379,7 +17400,7 @@
       </p:sp>
       <p:sp>
         <p:nvSpPr>
-          <p:cNvPr id="14" name="Google Shape;14;p1"/>
+          <p:cNvPr id="14" name="Google Shape;14;p22"/>
           <p:cNvSpPr txBox="1"/>
           <p:nvPr>
             <p:ph idx="12" type="sldNum"/>
@@ -17660,20 +17681,20 @@
   </p:cSld>
   <p:clrMap accent1="accent1" accent2="accent2" accent3="accent3" accent4="accent4" accent5="accent5" accent6="accent6" bg1="lt1" bg2="dk2" tx1="dk1" tx2="lt2" folHlink="folHlink" hlink="hlink"/>
   <p:sldLayoutIdLst>
-    <p:sldLayoutId id="2147483648" r:id="rId1"/>
-    <p:sldLayoutId id="2147483649" r:id="rId2"/>
-    <p:sldLayoutId id="2147483650" r:id="rId3"/>
-    <p:sldLayoutId id="2147483651" r:id="rId4"/>
-    <p:sldLayoutId id="2147483652" r:id="rId5"/>
-    <p:sldLayoutId id="2147483653" r:id="rId6"/>
-    <p:sldLayoutId id="2147483654" r:id="rId7"/>
-    <p:sldLayoutId id="2147483655" r:id="rId8"/>
-    <p:sldLayoutId id="2147483656" r:id="rId9"/>
-    <p:sldLayoutId id="2147483657" r:id="rId10"/>
-    <p:sldLayoutId id="2147483658" r:id="rId11"/>
-    <p:sldLayoutId id="2147483659" r:id="rId12"/>
-    <p:sldLayoutId id="2147483660" r:id="rId13"/>
-    <p:sldLayoutId id="2147483661" r:id="rId14"/>
+    <p:sldLayoutId id="2147483649" r:id="rId1"/>
+    <p:sldLayoutId id="2147483650" r:id="rId2"/>
+    <p:sldLayoutId id="2147483651" r:id="rId3"/>
+    <p:sldLayoutId id="2147483652" r:id="rId4"/>
+    <p:sldLayoutId id="2147483653" r:id="rId5"/>
+    <p:sldLayoutId id="2147483654" r:id="rId6"/>
+    <p:sldLayoutId id="2147483655" r:id="rId7"/>
+    <p:sldLayoutId id="2147483656" r:id="rId8"/>
+    <p:sldLayoutId id="2147483657" r:id="rId9"/>
+    <p:sldLayoutId id="2147483658" r:id="rId10"/>
+    <p:sldLayoutId id="2147483659" r:id="rId11"/>
+    <p:sldLayoutId id="2147483660" r:id="rId12"/>
+    <p:sldLayoutId id="2147483661" r:id="rId13"/>
+    <p:sldLayoutId id="2147483662" r:id="rId14"/>
   </p:sldLayoutIdLst>
   <p:hf dt="0" ftr="0" hdr="0" sldNum="0"/>
   <p:txStyles>
@@ -18387,14 +18408,14 @@
       </p:grpSpPr>
       <p:sp>
         <p:nvSpPr>
-          <p:cNvPr id="99" name="Google Shape;99;p16"/>
+          <p:cNvPr id="99" name="Google Shape;99;p1"/>
           <p:cNvSpPr txBox="1"/>
           <p:nvPr/>
         </p:nvSpPr>
         <p:spPr>
           <a:xfrm>
             <a:off x="995425" y="2187475"/>
-            <a:ext cx="7468800" cy="2940000"/>
+            <a:ext cx="7276200" cy="2862900"/>
           </a:xfrm>
           <a:prstGeom prst="rect">
             <a:avLst/>
@@ -18437,80 +18458,9 @@
                 <a:cs typeface="Work Sans"/>
                 <a:sym typeface="Work Sans"/>
               </a:rPr>
-              <a:t>WYK SmartSystem </a:t>
+              <a:t>GestPan: Automatización de Inventario y Ventas en Panadería WYK</a:t>
             </a:r>
-            <a:endParaRPr b="1" sz="4500">
-              <a:solidFill>
-                <a:srgbClr val="3F3F3F"/>
-              </a:solidFill>
-              <a:latin typeface="Work Sans"/>
-              <a:ea typeface="Work Sans"/>
-              <a:cs typeface="Work Sans"/>
-              <a:sym typeface="Work Sans"/>
-            </a:endParaRPr>
-          </a:p>
-          <a:p>
-            <a:pPr indent="0" lvl="0" marL="0" marR="0" rtl="0" algn="ctr">
-              <a:lnSpc>
-                <a:spcPct val="100000"/>
-              </a:lnSpc>
-              <a:spcBef>
-                <a:spcPts val="0"/>
-              </a:spcBef>
-              <a:spcAft>
-                <a:spcPts val="0"/>
-              </a:spcAft>
-              <a:buClr>
-                <a:srgbClr val="000000"/>
-              </a:buClr>
-              <a:buSzPts val="5400"/>
-              <a:buFont typeface="Arial"/>
-              <a:buNone/>
-            </a:pPr>
-            <a:r>
-              <a:rPr b="1" lang="es-CO" sz="4500">
-                <a:solidFill>
-                  <a:srgbClr val="3F3F3F"/>
-                </a:solidFill>
-                <a:latin typeface="Work Sans"/>
-                <a:ea typeface="Work Sans"/>
-                <a:cs typeface="Work Sans"/>
-                <a:sym typeface="Work Sans"/>
-              </a:rPr>
-              <a:t>Sistema Inteligente de Gestión para Panaderías</a:t>
-            </a:r>
-            <a:endParaRPr b="1" sz="4500">
-              <a:solidFill>
-                <a:srgbClr val="3F3F3F"/>
-              </a:solidFill>
-              <a:latin typeface="Work Sans"/>
-              <a:ea typeface="Work Sans"/>
-              <a:cs typeface="Work Sans"/>
-              <a:sym typeface="Work Sans"/>
-            </a:endParaRPr>
-          </a:p>
-          <a:p>
-            <a:pPr indent="0" lvl="0" marL="0" marR="0" rtl="0" algn="l">
-              <a:lnSpc>
-                <a:spcPct val="100000"/>
-              </a:lnSpc>
-              <a:spcBef>
-                <a:spcPts val="0"/>
-              </a:spcBef>
-              <a:spcAft>
-                <a:spcPts val="0"/>
-              </a:spcAft>
-              <a:buClr>
-                <a:srgbClr val="000000"/>
-              </a:buClr>
-              <a:buSzPts val="5400"/>
-              <a:buFont typeface="Arial"/>
-              <a:buNone/>
-            </a:pPr>
-            <a:r>
-              <a:t/>
-            </a:r>
-            <a:endParaRPr b="1" sz="5000">
+            <a:endParaRPr b="1" i="0" sz="5000" u="none" cap="none" strike="noStrike">
               <a:solidFill>
                 <a:srgbClr val="3F3F3F"/>
               </a:solidFill>
@@ -18524,17 +18474,16 @@
       </p:sp>
       <p:pic>
         <p:nvPicPr>
-          <p:cNvPr id="100" name="Google Shape;100;p16" title="LOGO-PANADERÍA.jpeg"/>
+          <p:cNvPr id="100" name="Google Shape;100;p1" title="LOGO-PANADERÍA.jpeg"/>
           <p:cNvPicPr preferRelativeResize="0"/>
           <p:nvPr/>
         </p:nvPicPr>
-        <p:blipFill>
+        <p:blipFill rotWithShape="1">
           <a:blip r:embed="rId3">
             <a:alphaModFix/>
           </a:blip>
-          <a:stretch>
-            <a:fillRect/>
-          </a:stretch>
+          <a:srcRect b="0" l="0" r="0" t="0"/>
+          <a:stretch/>
         </p:blipFill>
         <p:spPr>
           <a:xfrm>
@@ -18583,7 +18532,7 @@
       </p:grpSpPr>
       <p:sp>
         <p:nvSpPr>
-          <p:cNvPr id="157" name="Google Shape;157;p25"/>
+          <p:cNvPr id="157" name="Google Shape;157;p10"/>
           <p:cNvSpPr txBox="1"/>
           <p:nvPr>
             <p:ph type="title"/>
@@ -18647,7 +18596,7 @@
       </p:sp>
       <p:sp>
         <p:nvSpPr>
-          <p:cNvPr id="158" name="Google Shape;158;p25"/>
+          <p:cNvPr id="158" name="Google Shape;158;p10"/>
           <p:cNvSpPr txBox="1"/>
           <p:nvPr/>
         </p:nvSpPr>
@@ -18738,7 +18687,7 @@
       </p:grpSpPr>
       <p:sp>
         <p:nvSpPr>
-          <p:cNvPr id="163" name="Google Shape;163;p26"/>
+          <p:cNvPr id="163" name="Google Shape;163;p11"/>
           <p:cNvSpPr txBox="1"/>
           <p:nvPr>
             <p:ph type="title"/>
@@ -18802,17 +18751,16 @@
       </p:sp>
       <p:pic>
         <p:nvPicPr>
-          <p:cNvPr id="164" name="Google Shape;164;p26" title="1.DIAGRAMA DE COMPONENTE-PROYECTO.jpg"/>
+          <p:cNvPr id="164" name="Google Shape;164;p11" title="1.DIAGRAMA DE COMPONENTE-PROYECTO.jpg"/>
           <p:cNvPicPr preferRelativeResize="0"/>
           <p:nvPr/>
         </p:nvPicPr>
-        <p:blipFill>
+        <p:blipFill rotWithShape="1">
           <a:blip r:embed="rId3">
             <a:alphaModFix/>
           </a:blip>
-          <a:stretch>
-            <a:fillRect/>
-          </a:stretch>
+          <a:srcRect b="0" l="0" r="0" t="0"/>
+          <a:stretch/>
         </p:blipFill>
         <p:spPr>
           <a:xfrm>
@@ -18855,7 +18803,7 @@
       </p:grpSpPr>
       <p:sp>
         <p:nvSpPr>
-          <p:cNvPr id="169" name="Google Shape;169;p27"/>
+          <p:cNvPr id="169" name="Google Shape;169;p12"/>
           <p:cNvSpPr txBox="1"/>
           <p:nvPr>
             <p:ph type="title"/>
@@ -18919,17 +18867,16 @@
       </p:sp>
       <p:pic>
         <p:nvPicPr>
-          <p:cNvPr id="170" name="Google Shape;170;p27"/>
+          <p:cNvPr id="170" name="Google Shape;170;p12"/>
           <p:cNvPicPr preferRelativeResize="0"/>
           <p:nvPr/>
         </p:nvPicPr>
-        <p:blipFill>
+        <p:blipFill rotWithShape="1">
           <a:blip r:embed="rId3">
             <a:alphaModFix/>
           </a:blip>
-          <a:stretch>
-            <a:fillRect/>
-          </a:stretch>
+          <a:srcRect b="0" l="0" r="0" t="0"/>
+          <a:stretch/>
         </p:blipFill>
         <p:spPr>
           <a:xfrm>
@@ -18972,7 +18919,7 @@
       </p:grpSpPr>
       <p:sp>
         <p:nvSpPr>
-          <p:cNvPr id="176" name="Google Shape;176;p28"/>
+          <p:cNvPr id="176" name="Google Shape;176;p13"/>
           <p:cNvSpPr txBox="1"/>
           <p:nvPr/>
         </p:nvSpPr>
@@ -19005,6 +18952,11 @@
               <a:spcAft>
                 <a:spcPts val="0"/>
               </a:spcAft>
+              <a:buClr>
+                <a:srgbClr val="000000"/>
+              </a:buClr>
+              <a:buSzPts val="4000"/>
+              <a:buFont typeface="Arial"/>
               <a:buNone/>
             </a:pPr>
             <a:r>
@@ -19033,7 +18985,7 @@
       </p:sp>
       <p:cxnSp>
         <p:nvCxnSpPr>
-          <p:cNvPr id="177" name="Google Shape;177;p28"/>
+          <p:cNvPr id="177" name="Google Shape;177;p13"/>
           <p:cNvCxnSpPr/>
           <p:nvPr/>
         </p:nvCxnSpPr>
@@ -19059,7 +19011,7 @@
       </p:cxnSp>
       <p:sp>
         <p:nvSpPr>
-          <p:cNvPr id="178" name="Google Shape;178;p28"/>
+          <p:cNvPr id="178" name="Google Shape;178;p13"/>
           <p:cNvSpPr txBox="1"/>
           <p:nvPr/>
         </p:nvSpPr>
@@ -19149,7 +19101,7 @@
       </p:grpSpPr>
       <p:sp>
         <p:nvSpPr>
-          <p:cNvPr id="183" name="Google Shape;183;p29"/>
+          <p:cNvPr id="183" name="Google Shape;183;p14"/>
           <p:cNvSpPr txBox="1"/>
           <p:nvPr>
             <p:ph type="title"/>
@@ -19213,17 +19165,16 @@
       </p:sp>
       <p:pic>
         <p:nvPicPr>
-          <p:cNvPr id="184" name="Google Shape;184;p29" title="MR-GAES_5.jpeg"/>
+          <p:cNvPr id="184" name="Google Shape;184;p14" title="MR-GAES_5.jpeg"/>
           <p:cNvPicPr preferRelativeResize="0"/>
           <p:nvPr/>
         </p:nvPicPr>
-        <p:blipFill>
+        <p:blipFill rotWithShape="1">
           <a:blip r:embed="rId3">
             <a:alphaModFix/>
           </a:blip>
-          <a:stretch>
-            <a:fillRect/>
-          </a:stretch>
+          <a:srcRect b="0" l="0" r="0" t="0"/>
+          <a:stretch/>
         </p:blipFill>
         <p:spPr>
           <a:xfrm>
@@ -19266,7 +19217,7 @@
       </p:grpSpPr>
       <p:sp>
         <p:nvSpPr>
-          <p:cNvPr id="189" name="Google Shape;189;p30"/>
+          <p:cNvPr id="189" name="Google Shape;189;p15"/>
           <p:cNvSpPr txBox="1"/>
           <p:nvPr>
             <p:ph type="title"/>
@@ -19330,7 +19281,7 @@
       </p:sp>
       <p:sp>
         <p:nvSpPr>
-          <p:cNvPr id="190" name="Google Shape;190;p30"/>
+          <p:cNvPr id="190" name="Google Shape;190;p15"/>
           <p:cNvSpPr txBox="1"/>
           <p:nvPr/>
         </p:nvSpPr>
@@ -19421,7 +19372,7 @@
       </p:grpSpPr>
       <p:sp>
         <p:nvSpPr>
-          <p:cNvPr id="195" name="Google Shape;195;p31"/>
+          <p:cNvPr id="195" name="Google Shape;195;p16"/>
           <p:cNvSpPr txBox="1"/>
           <p:nvPr>
             <p:ph type="title"/>
@@ -19485,7 +19436,7 @@
       </p:sp>
       <p:sp>
         <p:nvSpPr>
-          <p:cNvPr id="196" name="Google Shape;196;p31"/>
+          <p:cNvPr id="196" name="Google Shape;196;p16"/>
           <p:cNvSpPr/>
           <p:nvPr/>
         </p:nvSpPr>
@@ -19518,6 +19469,11 @@
               <a:spcAft>
                 <a:spcPts val="0"/>
               </a:spcAft>
+              <a:buClr>
+                <a:srgbClr val="000000"/>
+              </a:buClr>
+              <a:buSzPts val="1400"/>
+              <a:buFont typeface="Arial"/>
               <a:buNone/>
             </a:pPr>
             <a:r>
@@ -19532,13 +19488,21 @@
               </a:rPr>
               <a:t> </a:t>
             </a:r>
-            <a:endParaRPr/>
+            <a:endParaRPr b="0" i="0" sz="1400" u="none" cap="none" strike="noStrike">
+              <a:solidFill>
+                <a:srgbClr val="000000"/>
+              </a:solidFill>
+              <a:latin typeface="Arial"/>
+              <a:ea typeface="Arial"/>
+              <a:cs typeface="Arial"/>
+              <a:sym typeface="Arial"/>
+            </a:endParaRPr>
           </a:p>
         </p:txBody>
       </p:sp>
       <p:sp>
         <p:nvSpPr>
-          <p:cNvPr id="197" name="Google Shape;197;p31"/>
+          <p:cNvPr id="197" name="Google Shape;197;p16"/>
           <p:cNvSpPr txBox="1"/>
           <p:nvPr/>
         </p:nvSpPr>
@@ -19629,7 +19593,7 @@
       </p:grpSpPr>
       <p:sp>
         <p:nvSpPr>
-          <p:cNvPr id="202" name="Google Shape;202;p32"/>
+          <p:cNvPr id="202" name="Google Shape;202;p17"/>
           <p:cNvSpPr txBox="1"/>
           <p:nvPr>
             <p:ph type="title"/>
@@ -19693,7 +19657,7 @@
       </p:sp>
       <p:sp>
         <p:nvSpPr>
-          <p:cNvPr id="203" name="Google Shape;203;p32"/>
+          <p:cNvPr id="203" name="Google Shape;203;p17"/>
           <p:cNvSpPr txBox="1"/>
           <p:nvPr/>
         </p:nvSpPr>
@@ -19784,7 +19748,7 @@
       </p:grpSpPr>
       <p:sp>
         <p:nvSpPr>
-          <p:cNvPr id="208" name="Google Shape;208;p33"/>
+          <p:cNvPr id="208" name="Google Shape;208;p18"/>
           <p:cNvSpPr txBox="1"/>
           <p:nvPr>
             <p:ph type="title"/>
@@ -19873,7 +19837,7 @@
       </p:grpSpPr>
       <p:sp>
         <p:nvSpPr>
-          <p:cNvPr id="214" name="Google Shape;214;p34"/>
+          <p:cNvPr id="214" name="Google Shape;214;p19"/>
           <p:cNvSpPr txBox="1"/>
           <p:nvPr/>
         </p:nvSpPr>
@@ -19906,6 +19870,11 @@
               <a:spcAft>
                 <a:spcPts val="0"/>
               </a:spcAft>
+              <a:buClr>
+                <a:srgbClr val="000000"/>
+              </a:buClr>
+              <a:buSzPts val="4000"/>
+              <a:buFont typeface="Arial"/>
               <a:buNone/>
             </a:pPr>
             <a:r>
@@ -19934,7 +19903,7 @@
       </p:sp>
       <p:cxnSp>
         <p:nvCxnSpPr>
-          <p:cNvPr id="215" name="Google Shape;215;p34"/>
+          <p:cNvPr id="215" name="Google Shape;215;p19"/>
           <p:cNvCxnSpPr/>
           <p:nvPr/>
         </p:nvCxnSpPr>
@@ -19960,7 +19929,7 @@
       </p:cxnSp>
       <p:sp>
         <p:nvSpPr>
-          <p:cNvPr id="216" name="Google Shape;216;p34"/>
+          <p:cNvPr id="216" name="Google Shape;216;p19"/>
           <p:cNvSpPr txBox="1"/>
           <p:nvPr/>
         </p:nvSpPr>
@@ -20050,7 +20019,7 @@
       </p:grpSpPr>
       <p:sp>
         <p:nvSpPr>
-          <p:cNvPr id="106" name="Google Shape;106;p17"/>
+          <p:cNvPr id="106" name="Google Shape;106;p2"/>
           <p:cNvSpPr txBox="1"/>
           <p:nvPr/>
         </p:nvSpPr>
@@ -20091,7 +20060,7 @@
               <a:buNone/>
             </a:pPr>
             <a:r>
-              <a:rPr lang="es-CO" sz="2400">
+              <a:rPr b="0" i="0" lang="es-CO" sz="2400" u="none" cap="none" strike="noStrike">
                 <a:solidFill>
                   <a:schemeClr val="dk1"/>
                 </a:solidFill>
@@ -20102,7 +20071,7 @@
               </a:rPr>
               <a:t>Andrea Viviana Florian Higuera, </a:t>
             </a:r>
-            <a:endParaRPr sz="2400">
+            <a:endParaRPr b="0" i="0" sz="2400" u="none" cap="none" strike="noStrike">
               <a:solidFill>
                 <a:schemeClr val="dk1"/>
               </a:solidFill>
@@ -20131,7 +20100,7 @@
               <a:buNone/>
             </a:pPr>
             <a:r>
-              <a:rPr lang="es-CO" sz="2400">
+              <a:rPr b="0" i="0" lang="es-CO" sz="2400" u="none" cap="none" strike="noStrike">
                 <a:solidFill>
                   <a:schemeClr val="dk1"/>
                 </a:solidFill>
@@ -20142,7 +20111,7 @@
               </a:rPr>
               <a:t>Juan David Forero Sánchez,</a:t>
             </a:r>
-            <a:endParaRPr sz="2400">
+            <a:endParaRPr b="0" i="0" sz="2400" u="none" cap="none" strike="noStrike">
               <a:solidFill>
                 <a:schemeClr val="dk1"/>
               </a:solidFill>
@@ -20171,7 +20140,7 @@
               <a:buNone/>
             </a:pPr>
             <a:r>
-              <a:rPr lang="es-CO" sz="2400">
+              <a:rPr b="0" i="0" lang="es-CO" sz="2400" u="none" cap="none" strike="noStrike">
                 <a:solidFill>
                   <a:schemeClr val="dk1"/>
                 </a:solidFill>
@@ -20182,7 +20151,7 @@
               </a:rPr>
               <a:t>Yerik Nicolas Hurtado Barbosa y </a:t>
             </a:r>
-            <a:endParaRPr sz="2400">
+            <a:endParaRPr b="0" i="0" sz="2400" u="none" cap="none" strike="noStrike">
               <a:solidFill>
                 <a:schemeClr val="dk1"/>
               </a:solidFill>
@@ -20211,7 +20180,7 @@
               <a:buNone/>
             </a:pPr>
             <a:r>
-              <a:rPr lang="es-CO" sz="2400">
+              <a:rPr b="0" i="0" lang="es-CO" sz="2400" u="none" cap="none" strike="noStrike">
                 <a:solidFill>
                   <a:schemeClr val="dk1"/>
                 </a:solidFill>
@@ -20220,43 +20189,7 @@
                 <a:cs typeface="Work Sans Light"/>
                 <a:sym typeface="Work Sans Light"/>
               </a:rPr>
-              <a:t>Branndon</a:t>
-            </a:r>
-            <a:r>
-              <a:rPr lang="es-CO" sz="2400">
-                <a:solidFill>
-                  <a:schemeClr val="dk1"/>
-                </a:solidFill>
-                <a:latin typeface="Work Sans Light"/>
-                <a:ea typeface="Work Sans Light"/>
-                <a:cs typeface="Work Sans Light"/>
-                <a:sym typeface="Work Sans Light"/>
-              </a:rPr>
-              <a:t> Schneyder </a:t>
-            </a:r>
-            <a:r>
-              <a:rPr lang="es-CO" sz="2400">
-                <a:solidFill>
-                  <a:schemeClr val="dk1"/>
-                </a:solidFill>
-                <a:latin typeface="Work Sans Light"/>
-                <a:ea typeface="Work Sans Light"/>
-                <a:cs typeface="Work Sans Light"/>
-                <a:sym typeface="Work Sans Light"/>
-              </a:rPr>
-              <a:t>Suárez</a:t>
-            </a:r>
-            <a:r>
-              <a:rPr lang="es-CO" sz="2400">
-                <a:solidFill>
-                  <a:schemeClr val="dk1"/>
-                </a:solidFill>
-                <a:latin typeface="Work Sans Light"/>
-                <a:ea typeface="Work Sans Light"/>
-                <a:cs typeface="Work Sans Light"/>
-                <a:sym typeface="Work Sans Light"/>
-              </a:rPr>
-              <a:t> Jiménez </a:t>
+              <a:t>Branndon Schneyder Suárez Jiménez </a:t>
             </a:r>
             <a:endParaRPr b="0" i="0" sz="2400" u="none" cap="none" strike="noStrike">
               <a:solidFill>
@@ -20272,7 +20205,7 @@
       </p:sp>
       <p:cxnSp>
         <p:nvCxnSpPr>
-          <p:cNvPr id="107" name="Google Shape;107;p17"/>
+          <p:cNvPr id="107" name="Google Shape;107;p2"/>
           <p:cNvCxnSpPr/>
           <p:nvPr/>
         </p:nvCxnSpPr>
@@ -20298,7 +20231,7 @@
       </p:cxnSp>
       <p:sp>
         <p:nvSpPr>
-          <p:cNvPr id="108" name="Google Shape;108;p17"/>
+          <p:cNvPr id="108" name="Google Shape;108;p2"/>
           <p:cNvSpPr txBox="1"/>
           <p:nvPr/>
         </p:nvSpPr>
@@ -20339,7 +20272,7 @@
               <a:buNone/>
             </a:pPr>
             <a:r>
-              <a:rPr b="1" i="0" lang="es-CO" sz="2400" u="none" cap="none" strike="noStrike">
+              <a:rPr b="1" lang="es-CO" sz="2400">
                 <a:solidFill>
                   <a:schemeClr val="dk1"/>
                 </a:solidFill>
@@ -20348,10 +20281,10 @@
                 <a:cs typeface="Calibri"/>
                 <a:sym typeface="Calibri"/>
               </a:rPr>
-              <a:t>Gaes N° : </a:t>
+              <a:t>SCRUM TEAM</a:t>
             </a:r>
             <a:r>
-              <a:rPr b="1" lang="es-CO" sz="2400">
+              <a:rPr b="1" i="0" lang="es-CO" sz="2400" u="none" cap="none" strike="noStrike">
                 <a:solidFill>
                   <a:schemeClr val="dk1"/>
                 </a:solidFill>
@@ -20360,7 +20293,7 @@
                 <a:cs typeface="Calibri"/>
                 <a:sym typeface="Calibri"/>
               </a:rPr>
-              <a:t>5</a:t>
+              <a:t> 5</a:t>
             </a:r>
             <a:br>
               <a:rPr b="1" i="0" lang="es-CO" sz="2400" u="none" cap="none" strike="noStrike">
@@ -20412,7 +20345,7 @@
       </p:grpSpPr>
       <p:sp>
         <p:nvSpPr>
-          <p:cNvPr id="221" name="Google Shape;221;p35"/>
+          <p:cNvPr id="221" name="Google Shape;221;p20"/>
           <p:cNvSpPr txBox="1"/>
           <p:nvPr>
             <p:ph type="title"/>
@@ -20476,7 +20409,7 @@
       </p:sp>
       <p:sp>
         <p:nvSpPr>
-          <p:cNvPr id="222" name="Google Shape;222;p35"/>
+          <p:cNvPr id="222" name="Google Shape;222;p20"/>
           <p:cNvSpPr/>
           <p:nvPr/>
         </p:nvSpPr>
@@ -20509,6 +20442,11 @@
               <a:spcAft>
                 <a:spcPts val="0"/>
               </a:spcAft>
+              <a:buClr>
+                <a:srgbClr val="000000"/>
+              </a:buClr>
+              <a:buSzPts val="1400"/>
+              <a:buFont typeface="Arial"/>
               <a:buNone/>
             </a:pPr>
             <a:r>
@@ -20523,23 +20461,30 @@
               </a:rPr>
               <a:t> </a:t>
             </a:r>
-            <a:endParaRPr/>
+            <a:endParaRPr b="0" i="0" sz="1400" u="none" cap="none" strike="noStrike">
+              <a:solidFill>
+                <a:srgbClr val="000000"/>
+              </a:solidFill>
+              <a:latin typeface="Arial"/>
+              <a:ea typeface="Arial"/>
+              <a:cs typeface="Arial"/>
+              <a:sym typeface="Arial"/>
+            </a:endParaRPr>
           </a:p>
         </p:txBody>
       </p:sp>
       <p:pic>
         <p:nvPicPr>
-          <p:cNvPr id="223" name="Google Shape;223;p35"/>
+          <p:cNvPr id="223" name="Google Shape;223;p20"/>
           <p:cNvPicPr preferRelativeResize="0"/>
           <p:nvPr/>
         </p:nvPicPr>
-        <p:blipFill>
+        <p:blipFill rotWithShape="1">
           <a:blip r:embed="rId3">
             <a:alphaModFix/>
           </a:blip>
-          <a:stretch>
-            <a:fillRect/>
-          </a:stretch>
+          <a:srcRect b="0" l="0" r="0" t="0"/>
+          <a:stretch/>
         </p:blipFill>
         <p:spPr>
           <a:xfrm>
@@ -20582,7 +20527,7 @@
       </p:grpSpPr>
       <p:pic>
         <p:nvPicPr>
-          <p:cNvPr descr="Imagen que contiene Interfaz de usuario gráfica&#10;&#10;Descripción generada automáticamente" id="228" name="Google Shape;228;p36"/>
+          <p:cNvPr descr="Imagen que contiene Interfaz de usuario gráfica&#10;&#10;Descripción generada automáticamente" id="228" name="Google Shape;228;p21"/>
           <p:cNvPicPr preferRelativeResize="0"/>
           <p:nvPr/>
         </p:nvPicPr>
@@ -20634,7 +20579,7 @@
       </p:grpSpPr>
       <p:sp>
         <p:nvSpPr>
-          <p:cNvPr id="113" name="Google Shape;113;p18"/>
+          <p:cNvPr id="113" name="Google Shape;113;p3"/>
           <p:cNvSpPr txBox="1"/>
           <p:nvPr>
             <p:ph type="title"/>
@@ -20702,7 +20647,7 @@
       </p:sp>
       <p:sp>
         <p:nvSpPr>
-          <p:cNvPr id="114" name="Google Shape;114;p18"/>
+          <p:cNvPr id="114" name="Google Shape;114;p3"/>
           <p:cNvSpPr txBox="1"/>
           <p:nvPr/>
         </p:nvSpPr>
@@ -20743,7 +20688,7 @@
               <a:buNone/>
             </a:pPr>
             <a:r>
-              <a:rPr lang="es-CO" sz="3200">
+              <a:rPr b="0" i="0" lang="es-CO" sz="3200" u="none" cap="none" strike="noStrike">
                 <a:solidFill>
                   <a:schemeClr val="dk1"/>
                 </a:solidFill>
@@ -20754,7 +20699,7 @@
               </a:rPr>
               <a:t>La panadería WYK tiene problemas porque lleva su inventario y los pedidos de las mesas en papel, lo que genera desorden, pérdidas y demoras. Esto afecta su eficiencia y la atención al cliente. Por eso, se propone crear un sistema web que ayude a organizar mejor el inventario y los pedidos, haciendo que el negocio funcione de forma más ágil y moderna.</a:t>
             </a:r>
-            <a:endParaRPr i="0" sz="3200" u="none" cap="none" strike="noStrike">
+            <a:endParaRPr b="0" i="0" sz="3200" u="none" cap="none" strike="noStrike">
               <a:solidFill>
                 <a:schemeClr val="dk1"/>
               </a:solidFill>
@@ -20793,7 +20738,7 @@
       </p:grpSpPr>
       <p:sp>
         <p:nvSpPr>
-          <p:cNvPr id="119" name="Google Shape;119;p19"/>
+          <p:cNvPr id="119" name="Google Shape;119;p4"/>
           <p:cNvSpPr txBox="1"/>
           <p:nvPr>
             <p:ph type="title"/>
@@ -20857,7 +20802,7 @@
       </p:sp>
       <p:sp>
         <p:nvSpPr>
-          <p:cNvPr id="120" name="Google Shape;120;p19"/>
+          <p:cNvPr id="120" name="Google Shape;120;p4"/>
           <p:cNvSpPr txBox="1"/>
           <p:nvPr/>
         </p:nvSpPr>
@@ -20880,7 +20825,7 @@
           </a:bodyPr>
           <a:lstStyle/>
           <a:p>
-            <a:pPr indent="0" lvl="0" marL="0" rtl="0" algn="l">
+            <a:pPr indent="0" lvl="0" marL="0" marR="0" rtl="0" algn="l">
               <a:lnSpc>
                 <a:spcPct val="115000"/>
               </a:lnSpc>
@@ -20890,10 +20835,18 @@
               <a:spcAft>
                 <a:spcPts val="0"/>
               </a:spcAft>
+              <a:buClr>
+                <a:srgbClr val="000000"/>
+              </a:buClr>
+              <a:buSzPts val="2500"/>
+              <a:buFont typeface="Arial"/>
               <a:buNone/>
             </a:pPr>
             <a:r>
-              <a:rPr lang="es-CO" sz="2500">
+              <a:rPr b="0" i="0" lang="es-CO" sz="2500" u="none" cap="none" strike="noStrike">
+                <a:solidFill>
+                  <a:srgbClr val="000000"/>
+                </a:solidFill>
                 <a:latin typeface="Times New Roman"/>
                 <a:ea typeface="Times New Roman"/>
                 <a:cs typeface="Times New Roman"/>
@@ -20901,7 +20854,10 @@
               </a:rPr>
               <a:t>Como estudiantes del SENA, vimos una gran oportunidad de aplicar lo que hemos aprendido para ayudar a la panadería WYK a mejorar sus procesos. Este proyecto busca digitalizar el inventario y los pedidos de mesa, lo que no solo evitará pérdidas por desorganización, sino que también hará más eficiente la atención a los clientes.</a:t>
             </a:r>
-            <a:endParaRPr sz="2500">
+            <a:endParaRPr b="0" i="0" sz="2500" u="none" cap="none" strike="noStrike">
+              <a:solidFill>
+                <a:srgbClr val="000000"/>
+              </a:solidFill>
               <a:latin typeface="Times New Roman"/>
               <a:ea typeface="Times New Roman"/>
               <a:cs typeface="Times New Roman"/>
@@ -20909,7 +20865,7 @@
             </a:endParaRPr>
           </a:p>
           <a:p>
-            <a:pPr indent="0" lvl="0" marL="0" rtl="0" algn="l">
+            <a:pPr indent="0" lvl="0" marL="0" marR="0" rtl="0" algn="l">
               <a:lnSpc>
                 <a:spcPct val="115000"/>
               </a:lnSpc>
@@ -20919,10 +20875,18 @@
               <a:spcAft>
                 <a:spcPts val="1200"/>
               </a:spcAft>
+              <a:buClr>
+                <a:srgbClr val="000000"/>
+              </a:buClr>
+              <a:buSzPts val="2500"/>
+              <a:buFont typeface="Arial"/>
               <a:buNone/>
             </a:pPr>
             <a:r>
-              <a:rPr lang="es-CO" sz="2500">
+              <a:rPr b="0" i="0" lang="es-CO" sz="2500" u="none" cap="none" strike="noStrike">
+                <a:solidFill>
+                  <a:srgbClr val="000000"/>
+                </a:solidFill>
                 <a:latin typeface="Times New Roman"/>
                 <a:ea typeface="Times New Roman"/>
                 <a:cs typeface="Times New Roman"/>
@@ -20930,7 +20894,10 @@
               </a:rPr>
               <a:t>Además, creemos que este sistema puede convertirse en una herramienta útil para otras microempresas, abriendo la posibilidad de ofrecerlo como un servicio más adelante. Esta experiencia también nos permite reforzar nuestros conocimientos en desarrollo web, bases de datos y gestión empresarial, enfrentándonos a un reto real con una solución práctica y sostenible. corregir</a:t>
             </a:r>
-            <a:endParaRPr sz="2500">
+            <a:endParaRPr b="0" i="0" sz="2500" u="none" cap="none" strike="noStrike">
+              <a:solidFill>
+                <a:srgbClr val="000000"/>
+              </a:solidFill>
               <a:latin typeface="Times New Roman"/>
               <a:ea typeface="Times New Roman"/>
               <a:cs typeface="Times New Roman"/>
@@ -20966,7 +20933,7 @@
       </p:grpSpPr>
       <p:sp>
         <p:nvSpPr>
-          <p:cNvPr id="125" name="Google Shape;125;p20"/>
+          <p:cNvPr id="125" name="Google Shape;125;p5"/>
           <p:cNvSpPr txBox="1"/>
           <p:nvPr>
             <p:ph type="title"/>
@@ -21034,7 +21001,7 @@
       </p:sp>
       <p:sp>
         <p:nvSpPr>
-          <p:cNvPr id="126" name="Google Shape;126;p20"/>
+          <p:cNvPr id="126" name="Google Shape;126;p5"/>
           <p:cNvSpPr txBox="1"/>
           <p:nvPr/>
         </p:nvSpPr>
@@ -21057,17 +21024,25 @@
           </a:bodyPr>
           <a:lstStyle/>
           <a:p>
-            <a:pPr indent="0" lvl="0" marL="0" rtl="0" algn="l">
-              <a:spcBef>
-                <a:spcPts val="0"/>
-              </a:spcBef>
-              <a:spcAft>
-                <a:spcPts val="0"/>
-              </a:spcAft>
+            <a:pPr indent="0" lvl="0" marL="0" marR="0" rtl="0" algn="l">
+              <a:lnSpc>
+                <a:spcPct val="100000"/>
+              </a:lnSpc>
+              <a:spcBef>
+                <a:spcPts val="0"/>
+              </a:spcBef>
+              <a:spcAft>
+                <a:spcPts val="0"/>
+              </a:spcAft>
+              <a:buClr>
+                <a:srgbClr val="000000"/>
+              </a:buClr>
+              <a:buSzPts val="3200"/>
+              <a:buFont typeface="Arial"/>
               <a:buNone/>
             </a:pPr>
             <a:r>
-              <a:rPr lang="es-CO" sz="3200">
+              <a:rPr b="0" i="0" lang="es-CO" sz="3200" u="none" cap="none" strike="noStrike">
                 <a:solidFill>
                   <a:schemeClr val="dk1"/>
                 </a:solidFill>
@@ -21078,7 +21053,10 @@
               </a:rPr>
               <a:t>Diseñar e implementar un software personalizado para la panadería WYK que permita mejorar la gestión de inventarios y la organización de pedidos a través de una plataforma web.</a:t>
             </a:r>
-            <a:endParaRPr sz="3200">
+            <a:endParaRPr b="0" i="0" sz="3200" u="none" cap="none" strike="noStrike">
+              <a:solidFill>
+                <a:srgbClr val="000000"/>
+              </a:solidFill>
               <a:latin typeface="Times New Roman"/>
               <a:ea typeface="Times New Roman"/>
               <a:cs typeface="Times New Roman"/>
@@ -21114,7 +21092,7 @@
       </p:grpSpPr>
       <p:sp>
         <p:nvSpPr>
-          <p:cNvPr id="131" name="Google Shape;131;p21"/>
+          <p:cNvPr id="131" name="Google Shape;131;p6"/>
           <p:cNvSpPr txBox="1"/>
           <p:nvPr>
             <p:ph type="title"/>
@@ -21182,14 +21160,14 @@
       </p:sp>
       <p:sp>
         <p:nvSpPr>
-          <p:cNvPr id="132" name="Google Shape;132;p21"/>
+          <p:cNvPr id="132" name="Google Shape;132;p6"/>
           <p:cNvSpPr txBox="1"/>
           <p:nvPr/>
         </p:nvSpPr>
         <p:spPr>
           <a:xfrm>
             <a:off x="709450" y="1936350"/>
-            <a:ext cx="10819200" cy="3879000"/>
+            <a:ext cx="10819200" cy="4186800"/>
           </a:xfrm>
           <a:prstGeom prst="rect">
             <a:avLst/>
@@ -21205,125 +21183,176 @@
           </a:bodyPr>
           <a:lstStyle/>
           <a:p>
-            <a:pPr indent="0" lvl="0" marL="0" rtl="0" algn="l">
-              <a:spcBef>
-                <a:spcPts val="0"/>
-              </a:spcBef>
-              <a:spcAft>
-                <a:spcPts val="0"/>
-              </a:spcAft>
+            <a:pPr indent="0" lvl="0" marL="0" marR="0" rtl="0" algn="l">
+              <a:lnSpc>
+                <a:spcPct val="100000"/>
+              </a:lnSpc>
+              <a:spcBef>
+                <a:spcPts val="0"/>
+              </a:spcBef>
+              <a:spcAft>
+                <a:spcPts val="0"/>
+              </a:spcAft>
+              <a:buClr>
+                <a:srgbClr val="000000"/>
+              </a:buClr>
+              <a:buSzPts val="2000"/>
+              <a:buFont typeface="Arial"/>
               <a:buNone/>
             </a:pPr>
             <a:r>
-              <a:rPr b="1" lang="es-CO" sz="2000">
+              <a:rPr b="1" i="0" lang="es-CO" sz="2000" u="none" cap="none" strike="noStrike">
                 <a:solidFill>
                   <a:schemeClr val="dk1"/>
                 </a:solidFill>
+                <a:latin typeface="Arial"/>
+                <a:ea typeface="Arial"/>
+                <a:cs typeface="Arial"/>
+                <a:sym typeface="Arial"/>
               </a:rPr>
               <a:t>Diseñar e implementar un sistema de información para la gestión de inventario</a:t>
             </a:r>
             <a:r>
-              <a:rPr lang="es-CO" sz="2000">
+              <a:rPr b="0" i="0" lang="es-CO" sz="2000" u="none" cap="none" strike="noStrike">
                 <a:solidFill>
                   <a:schemeClr val="dk1"/>
                 </a:solidFill>
+                <a:latin typeface="Arial"/>
+                <a:ea typeface="Arial"/>
+                <a:cs typeface="Arial"/>
+                <a:sym typeface="Arial"/>
               </a:rPr>
-              <a:t> que permita registrar, controlar y monitorear en tiempo real las entradas y salidas de productos e insumos (materia </a:t>
+              <a:t> que permita registrar, controlar y monitorear en tiempo real las entradas y salidas de productos e insumos (materia prima), con alertas de abastecimiento.</a:t>
             </a:r>
-            <a:r>
-              <a:rPr lang="es-CO" sz="2000">
-                <a:solidFill>
-                  <a:schemeClr val="dk1"/>
-                </a:solidFill>
-              </a:rPr>
-              <a:t>prima)</a:t>
-            </a:r>
-            <a:r>
-              <a:rPr lang="es-CO" sz="2000">
-                <a:solidFill>
-                  <a:schemeClr val="dk1"/>
-                </a:solidFill>
-              </a:rPr>
-              <a:t>, con alertas de abastecimiento.</a:t>
-            </a:r>
-            <a:endParaRPr sz="2000">
+            <a:endParaRPr b="0" i="0" sz="2000" u="none" cap="none" strike="noStrike">
               <a:solidFill>
                 <a:schemeClr val="dk1"/>
               </a:solidFill>
+              <a:latin typeface="Arial"/>
+              <a:ea typeface="Arial"/>
+              <a:cs typeface="Arial"/>
+              <a:sym typeface="Arial"/>
             </a:endParaRPr>
           </a:p>
           <a:p>
-            <a:pPr indent="0" lvl="0" marL="0" rtl="0" algn="l">
-              <a:spcBef>
-                <a:spcPts val="0"/>
-              </a:spcBef>
-              <a:spcAft>
-                <a:spcPts val="0"/>
-              </a:spcAft>
+            <a:pPr indent="0" lvl="0" marL="0" marR="0" rtl="0" algn="l">
+              <a:lnSpc>
+                <a:spcPct val="100000"/>
+              </a:lnSpc>
+              <a:spcBef>
+                <a:spcPts val="0"/>
+              </a:spcBef>
+              <a:spcAft>
+                <a:spcPts val="0"/>
+              </a:spcAft>
+              <a:buClr>
+                <a:srgbClr val="000000"/>
+              </a:buClr>
+              <a:buSzPts val="2000"/>
+              <a:buFont typeface="Arial"/>
               <a:buNone/>
             </a:pPr>
             <a:r>
               <a:t/>
             </a:r>
-            <a:endParaRPr sz="2000">
+            <a:endParaRPr b="0" i="0" sz="2000" u="none" cap="none" strike="noStrike">
               <a:solidFill>
                 <a:schemeClr val="dk1"/>
               </a:solidFill>
+              <a:latin typeface="Arial"/>
+              <a:ea typeface="Arial"/>
+              <a:cs typeface="Arial"/>
+              <a:sym typeface="Arial"/>
             </a:endParaRPr>
           </a:p>
           <a:p>
-            <a:pPr indent="0" lvl="0" marL="0" rtl="0" algn="l">
-              <a:spcBef>
-                <a:spcPts val="0"/>
-              </a:spcBef>
-              <a:spcAft>
-                <a:spcPts val="0"/>
-              </a:spcAft>
+            <a:pPr indent="0" lvl="0" marL="0" marR="0" rtl="0" algn="l">
+              <a:lnSpc>
+                <a:spcPct val="100000"/>
+              </a:lnSpc>
+              <a:spcBef>
+                <a:spcPts val="0"/>
+              </a:spcBef>
+              <a:spcAft>
+                <a:spcPts val="0"/>
+              </a:spcAft>
+              <a:buClr>
+                <a:srgbClr val="000000"/>
+              </a:buClr>
+              <a:buSzPts val="2000"/>
+              <a:buFont typeface="Arial"/>
               <a:buNone/>
             </a:pPr>
             <a:r>
-              <a:rPr b="1" lang="es-CO" sz="2000">
+              <a:rPr b="1" i="0" lang="es-CO" sz="2000" u="none" cap="none" strike="noStrike">
                 <a:solidFill>
                   <a:schemeClr val="dk1"/>
                 </a:solidFill>
+                <a:latin typeface="Arial"/>
+                <a:ea typeface="Arial"/>
+                <a:cs typeface="Arial"/>
+                <a:sym typeface="Arial"/>
               </a:rPr>
               <a:t>Mejorar la eficiencia operativa y la experiencia del cliente</a:t>
             </a:r>
             <a:r>
-              <a:rPr lang="es-CO" sz="2000">
+              <a:rPr b="0" i="0" lang="es-CO" sz="2000" u="none" cap="none" strike="noStrike">
                 <a:solidFill>
                   <a:schemeClr val="dk1"/>
                 </a:solidFill>
+                <a:latin typeface="Arial"/>
+                <a:ea typeface="Arial"/>
+                <a:cs typeface="Arial"/>
+                <a:sym typeface="Arial"/>
               </a:rPr>
               <a:t> a través de la automatización de procesos clave dentro del negocio.</a:t>
             </a:r>
-            <a:endParaRPr sz="2000">
+            <a:endParaRPr b="0" i="0" sz="2000" u="none" cap="none" strike="noStrike">
               <a:solidFill>
                 <a:schemeClr val="dk1"/>
               </a:solidFill>
+              <a:latin typeface="Arial"/>
+              <a:ea typeface="Arial"/>
+              <a:cs typeface="Arial"/>
+              <a:sym typeface="Arial"/>
             </a:endParaRPr>
           </a:p>
           <a:p>
-            <a:pPr indent="0" lvl="0" marL="0" rtl="0" algn="l">
-              <a:spcBef>
-                <a:spcPts val="0"/>
-              </a:spcBef>
-              <a:spcAft>
-                <a:spcPts val="0"/>
-              </a:spcAft>
+            <a:pPr indent="0" lvl="0" marL="0" marR="0" rtl="0" algn="l">
+              <a:lnSpc>
+                <a:spcPct val="100000"/>
+              </a:lnSpc>
+              <a:spcBef>
+                <a:spcPts val="0"/>
+              </a:spcBef>
+              <a:spcAft>
+                <a:spcPts val="0"/>
+              </a:spcAft>
+              <a:buClr>
+                <a:srgbClr val="000000"/>
+              </a:buClr>
+              <a:buSzPts val="2000"/>
+              <a:buFont typeface="Arial"/>
               <a:buNone/>
             </a:pPr>
             <a:r>
               <a:t/>
             </a:r>
-            <a:endParaRPr sz="2000">
+            <a:endParaRPr b="0" i="0" sz="2000" u="none" cap="none" strike="noStrike">
               <a:solidFill>
                 <a:schemeClr val="dk1"/>
               </a:solidFill>
+              <a:latin typeface="Arial"/>
+              <a:ea typeface="Arial"/>
+              <a:cs typeface="Arial"/>
+              <a:sym typeface="Arial"/>
             </a:endParaRPr>
           </a:p>
           <a:p>
-            <a:pPr indent="-355600" lvl="0" marL="457200" rtl="0" algn="l">
+            <a:pPr indent="-355600" lvl="0" marL="457200" marR="0" rtl="0" algn="l">
+              <a:lnSpc>
+                <a:spcPct val="100000"/>
+              </a:lnSpc>
               <a:spcBef>
                 <a:spcPts val="0"/>
               </a:spcBef>
@@ -21334,6 +21363,7 @@
                 <a:schemeClr val="dk1"/>
               </a:buClr>
               <a:buSzPts val="2000"/>
+              <a:buFont typeface="Arial"/>
               <a:buAutoNum type="arabicPeriod"/>
             </a:pPr>
             <a:r>
@@ -21342,7 +21372,179 @@
                   <a:schemeClr val="dk1"/>
                 </a:solidFill>
               </a:rPr>
-              <a:t>Modulo Factura Compra.</a:t>
+              <a:t>Módulo</a:t>
+            </a:r>
+            <a:r>
+              <a:rPr b="1" i="0" lang="es-CO" sz="2000" u="none" cap="none" strike="noStrike">
+                <a:solidFill>
+                  <a:schemeClr val="dk1"/>
+                </a:solidFill>
+                <a:latin typeface="Arial"/>
+                <a:ea typeface="Arial"/>
+                <a:cs typeface="Arial"/>
+                <a:sym typeface="Arial"/>
+              </a:rPr>
+              <a:t> Factura Compra.</a:t>
+            </a:r>
+            <a:endParaRPr b="1" i="0" sz="2000" u="none" cap="none" strike="noStrike">
+              <a:solidFill>
+                <a:schemeClr val="dk1"/>
+              </a:solidFill>
+              <a:latin typeface="Arial"/>
+              <a:ea typeface="Arial"/>
+              <a:cs typeface="Arial"/>
+              <a:sym typeface="Arial"/>
+            </a:endParaRPr>
+          </a:p>
+          <a:p>
+            <a:pPr indent="-355600" lvl="0" marL="457200" marR="0" rtl="0" algn="l">
+              <a:lnSpc>
+                <a:spcPct val="100000"/>
+              </a:lnSpc>
+              <a:spcBef>
+                <a:spcPts val="0"/>
+              </a:spcBef>
+              <a:spcAft>
+                <a:spcPts val="0"/>
+              </a:spcAft>
+              <a:buClr>
+                <a:schemeClr val="dk1"/>
+              </a:buClr>
+              <a:buSzPts val="2000"/>
+              <a:buFont typeface="Arial"/>
+              <a:buAutoNum type="arabicPeriod"/>
+            </a:pPr>
+            <a:r>
+              <a:rPr b="1" i="0" lang="es-CO" sz="2000" u="none" cap="none" strike="noStrike">
+                <a:solidFill>
+                  <a:schemeClr val="dk1"/>
+                </a:solidFill>
+                <a:latin typeface="Arial"/>
+                <a:ea typeface="Arial"/>
+                <a:cs typeface="Arial"/>
+                <a:sym typeface="Arial"/>
+              </a:rPr>
+              <a:t>Módulo Factura Venta.</a:t>
+            </a:r>
+            <a:endParaRPr b="1" i="0" sz="2000" u="none" cap="none" strike="noStrike">
+              <a:solidFill>
+                <a:schemeClr val="dk1"/>
+              </a:solidFill>
+              <a:latin typeface="Arial"/>
+              <a:ea typeface="Arial"/>
+              <a:cs typeface="Arial"/>
+              <a:sym typeface="Arial"/>
+            </a:endParaRPr>
+          </a:p>
+          <a:p>
+            <a:pPr indent="-355600" lvl="0" marL="457200" marR="0" rtl="0" algn="l">
+              <a:lnSpc>
+                <a:spcPct val="100000"/>
+              </a:lnSpc>
+              <a:spcBef>
+                <a:spcPts val="0"/>
+              </a:spcBef>
+              <a:spcAft>
+                <a:spcPts val="0"/>
+              </a:spcAft>
+              <a:buClr>
+                <a:schemeClr val="dk1"/>
+              </a:buClr>
+              <a:buSzPts val="2000"/>
+              <a:buFont typeface="Arial"/>
+              <a:buAutoNum type="arabicPeriod"/>
+            </a:pPr>
+            <a:r>
+              <a:rPr b="1" i="0" lang="es-CO" sz="2000" u="none" cap="none" strike="noStrike">
+                <a:solidFill>
+                  <a:schemeClr val="dk1"/>
+                </a:solidFill>
+                <a:latin typeface="Arial"/>
+                <a:ea typeface="Arial"/>
+                <a:cs typeface="Arial"/>
+                <a:sym typeface="Arial"/>
+              </a:rPr>
+              <a:t>Módulo Producto.</a:t>
+            </a:r>
+            <a:endParaRPr b="1" i="0" sz="2000" u="none" cap="none" strike="noStrike">
+              <a:solidFill>
+                <a:schemeClr val="dk1"/>
+              </a:solidFill>
+              <a:latin typeface="Arial"/>
+              <a:ea typeface="Arial"/>
+              <a:cs typeface="Arial"/>
+              <a:sym typeface="Arial"/>
+            </a:endParaRPr>
+          </a:p>
+          <a:p>
+            <a:pPr indent="-355600" lvl="0" marL="457200" marR="0" rtl="0" algn="l">
+              <a:lnSpc>
+                <a:spcPct val="100000"/>
+              </a:lnSpc>
+              <a:spcBef>
+                <a:spcPts val="0"/>
+              </a:spcBef>
+              <a:spcAft>
+                <a:spcPts val="0"/>
+              </a:spcAft>
+              <a:buClr>
+                <a:schemeClr val="dk1"/>
+              </a:buClr>
+              <a:buSzPts val="2000"/>
+              <a:buFont typeface="Arial"/>
+              <a:buAutoNum type="arabicPeriod"/>
+            </a:pPr>
+            <a:r>
+              <a:rPr b="1" i="0" lang="es-CO" sz="2000" u="none" cap="none" strike="noStrike">
+                <a:solidFill>
+                  <a:schemeClr val="dk1"/>
+                </a:solidFill>
+                <a:latin typeface="Arial"/>
+                <a:ea typeface="Arial"/>
+                <a:cs typeface="Arial"/>
+                <a:sym typeface="Arial"/>
+              </a:rPr>
+              <a:t>Módulo Materia Prima.</a:t>
+            </a:r>
+            <a:endParaRPr b="1" i="0" sz="2000" u="none" cap="none" strike="noStrike">
+              <a:solidFill>
+                <a:schemeClr val="dk1"/>
+              </a:solidFill>
+              <a:latin typeface="Arial"/>
+              <a:ea typeface="Arial"/>
+              <a:cs typeface="Arial"/>
+              <a:sym typeface="Arial"/>
+            </a:endParaRPr>
+          </a:p>
+          <a:p>
+            <a:pPr indent="-355600" lvl="0" marL="457200" marR="0" rtl="0" algn="l">
+              <a:lnSpc>
+                <a:spcPct val="100000"/>
+              </a:lnSpc>
+              <a:spcBef>
+                <a:spcPts val="0"/>
+              </a:spcBef>
+              <a:spcAft>
+                <a:spcPts val="0"/>
+              </a:spcAft>
+              <a:buClr>
+                <a:schemeClr val="dk1"/>
+              </a:buClr>
+              <a:buSzPts val="2000"/>
+              <a:buFont typeface="Arial"/>
+              <a:buAutoNum type="arabicPeriod"/>
+            </a:pPr>
+            <a:r>
+              <a:rPr b="1" i="0" lang="es-CO" sz="2000" u="none" cap="none" strike="noStrike">
+                <a:solidFill>
+                  <a:schemeClr val="dk1"/>
+                </a:solidFill>
+                <a:latin typeface="Arial"/>
+                <a:ea typeface="Arial"/>
+                <a:cs typeface="Arial"/>
+                <a:sym typeface="Arial"/>
+              </a:rPr>
+              <a:t>Módulo Producción Materia Prima.</a:t>
             </a:r>
             <a:endParaRPr b="1" sz="2000">
               <a:solidFill>
@@ -21351,7 +21553,10 @@
             </a:endParaRPr>
           </a:p>
           <a:p>
-            <a:pPr indent="-355600" lvl="0" marL="457200" rtl="0" algn="l">
+            <a:pPr indent="-355600" lvl="0" marL="457200" marR="0" rtl="0" algn="l">
+              <a:lnSpc>
+                <a:spcPct val="100000"/>
+              </a:lnSpc>
               <a:spcBef>
                 <a:spcPts val="0"/>
               </a:spcBef>
@@ -21370,99 +21575,7 @@
                   <a:schemeClr val="dk1"/>
                 </a:solidFill>
               </a:rPr>
-              <a:t>M</a:t>
-            </a:r>
-            <a:r>
-              <a:rPr b="1" lang="es-CO" sz="2000">
-                <a:solidFill>
-                  <a:schemeClr val="dk1"/>
-                </a:solidFill>
-              </a:rPr>
-              <a:t>ódulo Factura Venta.</a:t>
-            </a:r>
-            <a:endParaRPr b="1" sz="2000">
-              <a:solidFill>
-                <a:schemeClr val="dk1"/>
-              </a:solidFill>
-            </a:endParaRPr>
-          </a:p>
-          <a:p>
-            <a:pPr indent="-355600" lvl="0" marL="457200" rtl="0" algn="l">
-              <a:spcBef>
-                <a:spcPts val="0"/>
-              </a:spcBef>
-              <a:spcAft>
-                <a:spcPts val="0"/>
-              </a:spcAft>
-              <a:buClr>
-                <a:schemeClr val="dk1"/>
-              </a:buClr>
-              <a:buSzPts val="2000"/>
-              <a:buAutoNum type="arabicPeriod"/>
-            </a:pPr>
-            <a:r>
-              <a:rPr b="1" lang="es-CO" sz="2000">
-                <a:solidFill>
-                  <a:schemeClr val="dk1"/>
-                </a:solidFill>
-              </a:rPr>
-              <a:t>Módulo Producto.</a:t>
-            </a:r>
-            <a:endParaRPr b="1" sz="2000">
-              <a:solidFill>
-                <a:schemeClr val="dk1"/>
-              </a:solidFill>
-            </a:endParaRPr>
-          </a:p>
-          <a:p>
-            <a:pPr indent="-355600" lvl="0" marL="457200" rtl="0" algn="l">
-              <a:spcBef>
-                <a:spcPts val="0"/>
-              </a:spcBef>
-              <a:spcAft>
-                <a:spcPts val="0"/>
-              </a:spcAft>
-              <a:buClr>
-                <a:schemeClr val="dk1"/>
-              </a:buClr>
-              <a:buSzPts val="2000"/>
-              <a:buAutoNum type="arabicPeriod"/>
-            </a:pPr>
-            <a:r>
-              <a:rPr b="1" lang="es-CO" sz="2000">
-                <a:solidFill>
-                  <a:schemeClr val="dk1"/>
-                </a:solidFill>
-              </a:rPr>
-              <a:t>Módulo Materia Prima.</a:t>
-            </a:r>
-            <a:endParaRPr b="1" sz="2000">
-              <a:solidFill>
-                <a:schemeClr val="dk1"/>
-              </a:solidFill>
-            </a:endParaRPr>
-          </a:p>
-          <a:p>
-            <a:pPr indent="-355600" lvl="0" marL="457200" rtl="0" algn="l">
-              <a:spcBef>
-                <a:spcPts val="0"/>
-              </a:spcBef>
-              <a:spcAft>
-                <a:spcPts val="0"/>
-              </a:spcAft>
-              <a:buClr>
-                <a:schemeClr val="dk1"/>
-              </a:buClr>
-              <a:buSzPts val="2000"/>
-              <a:buAutoNum type="arabicPeriod"/>
-            </a:pPr>
-            <a:r>
-              <a:rPr b="1" lang="es-CO" sz="2000">
-                <a:solidFill>
-                  <a:schemeClr val="dk1"/>
-                </a:solidFill>
-              </a:rPr>
-              <a:t>Módulo Producción Materia Prima.</a:t>
+              <a:t>Módulo Pedido.</a:t>
             </a:r>
             <a:endParaRPr b="1" sz="2000">
               <a:solidFill>
@@ -21499,7 +21612,7 @@
       </p:grpSpPr>
       <p:sp>
         <p:nvSpPr>
-          <p:cNvPr id="138" name="Google Shape;138;p22"/>
+          <p:cNvPr id="138" name="Google Shape;138;p7"/>
           <p:cNvSpPr txBox="1"/>
           <p:nvPr/>
         </p:nvSpPr>
@@ -21565,7 +21678,7 @@
       </p:sp>
       <p:cxnSp>
         <p:nvCxnSpPr>
-          <p:cNvPr id="139" name="Google Shape;139;p22"/>
+          <p:cNvPr id="139" name="Google Shape;139;p7"/>
           <p:cNvCxnSpPr/>
           <p:nvPr/>
         </p:nvCxnSpPr>
@@ -21591,7 +21704,7 @@
       </p:cxnSp>
       <p:sp>
         <p:nvSpPr>
-          <p:cNvPr id="140" name="Google Shape;140;p22"/>
+          <p:cNvPr id="140" name="Google Shape;140;p7"/>
           <p:cNvSpPr txBox="1"/>
           <p:nvPr/>
         </p:nvSpPr>
@@ -21681,7 +21794,7 @@
       </p:grpSpPr>
       <p:sp>
         <p:nvSpPr>
-          <p:cNvPr id="145" name="Google Shape;145;p23"/>
+          <p:cNvPr id="145" name="Google Shape;145;p8"/>
           <p:cNvSpPr txBox="1"/>
           <p:nvPr>
             <p:ph type="title"/>
@@ -21745,17 +21858,16 @@
       </p:sp>
       <p:pic>
         <p:nvPicPr>
-          <p:cNvPr id="146" name="Google Shape;146;p23"/>
+          <p:cNvPr id="146" name="Google Shape;146;p8"/>
           <p:cNvPicPr preferRelativeResize="0"/>
           <p:nvPr/>
         </p:nvPicPr>
-        <p:blipFill>
+        <p:blipFill rotWithShape="1">
           <a:blip r:embed="rId3">
             <a:alphaModFix/>
           </a:blip>
-          <a:stretch>
-            <a:fillRect/>
-          </a:stretch>
+          <a:srcRect b="0" l="0" r="0" t="0"/>
+          <a:stretch/>
         </p:blipFill>
         <p:spPr>
           <a:xfrm>
@@ -21798,7 +21910,7 @@
       </p:grpSpPr>
       <p:sp>
         <p:nvSpPr>
-          <p:cNvPr id="151" name="Google Shape;151;p24"/>
+          <p:cNvPr id="151" name="Google Shape;151;p9"/>
           <p:cNvSpPr txBox="1"/>
           <p:nvPr>
             <p:ph type="title"/>
@@ -21862,17 +21974,16 @@
       </p:sp>
       <p:pic>
         <p:nvPicPr>
-          <p:cNvPr id="152" name="Google Shape;152;p24"/>
+          <p:cNvPr id="152" name="Google Shape;152;p9"/>
           <p:cNvPicPr preferRelativeResize="0"/>
           <p:nvPr/>
         </p:nvPicPr>
-        <p:blipFill>
+        <p:blipFill rotWithShape="1">
           <a:blip r:embed="rId3">
             <a:alphaModFix/>
           </a:blip>
-          <a:stretch>
-            <a:fillRect/>
-          </a:stretch>
+          <a:srcRect b="0" l="0" r="0" t="0"/>
+          <a:stretch/>
         </p:blipFill>
         <p:spPr>
           <a:xfrm>

--- a/4.Presentación/DIAPOSITIVAS_PROYECTO - GAES 7.pptx
+++ b/4.Presentación/DIAPOSITIVAS_PROYECTO - GAES 7.pptx
@@ -279,7 +279,7 @@
   </p:defaultTextStyle>
   <p:extLst>
     <p:ext uri="GoogleSlidesCustomDataVersion2">
-      <go:slidesCustomData xmlns:go="http://customooxmlschemas.google.com/" r:id="rId34" roundtripDataSignature="AMtx7mic1jWfUd5Z2bIA8Dtx2J5fQ3om0g=="/>
+      <go:slidesCustomData xmlns:go="http://customooxmlschemas.google.com/" r:id="rId34" roundtripDataSignature="AMtx7mhLxu40uigxbW8npISdyKbcYC8bDQ=="/>
     </p:ext>
   </p:extLst>
 </p:presentation>
@@ -18431,7 +18431,7 @@
           </a:bodyPr>
           <a:lstStyle/>
           <a:p>
-            <a:pPr indent="0" lvl="0" marL="0" marR="0" rtl="0" algn="ctr">
+            <a:pPr indent="0" lvl="0" marL="0" marR="0" rtl="0" algn="l">
               <a:lnSpc>
                 <a:spcPct val="100000"/>
               </a:lnSpc>
@@ -18474,34 +18474,29 @@
       </p:sp>
       <p:pic>
         <p:nvPicPr>
-          <p:cNvPr id="100" name="Google Shape;100;p1" title="LOGO-PANADERÍA.jpeg"/>
+          <p:cNvPr id="100" name="Google Shape;100;p1"/>
           <p:cNvPicPr preferRelativeResize="0"/>
           <p:nvPr/>
         </p:nvPicPr>
-        <p:blipFill rotWithShape="1">
+        <p:blipFill>
           <a:blip r:embed="rId3">
             <a:alphaModFix/>
           </a:blip>
-          <a:srcRect b="0" l="0" r="0" t="0"/>
-          <a:stretch/>
+          <a:stretch>
+            <a:fillRect/>
+          </a:stretch>
         </p:blipFill>
         <p:spPr>
           <a:xfrm>
-            <a:off x="8271750" y="2187475"/>
-            <a:ext cx="2685276" cy="2668600"/>
+            <a:off x="7396850" y="1798925"/>
+            <a:ext cx="3615575" cy="3449795"/>
           </a:xfrm>
           <a:prstGeom prst="rect">
             <a:avLst/>
           </a:prstGeom>
           <a:noFill/>
-          <a:ln cap="flat" cmpd="sng" w="9525">
-            <a:solidFill>
-              <a:schemeClr val="dk2"/>
-            </a:solidFill>
-            <a:prstDash val="solid"/>
-            <a:round/>
-            <a:headEnd len="sm" w="sm" type="none"/>
-            <a:tailEnd len="sm" w="sm" type="none"/>
+          <a:ln>
+            <a:noFill/>
           </a:ln>
         </p:spPr>
       </p:pic>
